--- a/_book/plot/consumer-survey-product-type-stat-1.pptx
+++ b/_book/plot/consumer-survey-product-type-stat-1.pptx
@@ -3192,8 +3192,8 @@
           </p:nvSpPr>
           <p:spPr>
             <a:xfrm>
-              <a:off x="2109652" y="1787052"/>
-              <a:ext cx="6827440" cy="3858874"/>
+              <a:off x="2107908" y="1785308"/>
+              <a:ext cx="6829183" cy="3864314"/>
             </a:xfrm>
             <a:prstGeom prst="rect">
               <a:avLst/>
@@ -3218,21 +3218,21 @@
           </p:nvSpPr>
           <p:spPr>
             <a:xfrm>
-              <a:off x="2109652" y="5324353"/>
-              <a:ext cx="6827440" cy="0"/>
+              <a:off x="2107908" y="5327597"/>
+              <a:ext cx="6829183" cy="0"/>
             </a:xfrm>
             <a:custGeom>
               <a:avLst/>
               <a:pathLst>
-                <a:path w="6827440" h="0">
+                <a:path w="6829183" h="0">
                   <a:moveTo>
                     <a:pt x="0" y="0"/>
                   </a:moveTo>
                   <a:lnTo>
-                    <a:pt x="6827440" y="0"/>
-                  </a:lnTo>
-                  <a:lnTo>
-                    <a:pt x="6827440" y="0"/>
+                    <a:pt x="6829183" y="0"/>
+                  </a:lnTo>
+                  <a:lnTo>
+                    <a:pt x="6829183" y="0"/>
                   </a:lnTo>
                 </a:path>
               </a:pathLst>
@@ -3261,21 +3261,21 @@
           </p:nvSpPr>
           <p:spPr>
             <a:xfrm>
-              <a:off x="2109652" y="4405574"/>
-              <a:ext cx="6827440" cy="0"/>
+              <a:off x="2107908" y="4407522"/>
+              <a:ext cx="6829183" cy="0"/>
             </a:xfrm>
             <a:custGeom>
               <a:avLst/>
               <a:pathLst>
-                <a:path w="6827440" h="0">
+                <a:path w="6829183" h="0">
                   <a:moveTo>
                     <a:pt x="0" y="0"/>
                   </a:moveTo>
                   <a:lnTo>
-                    <a:pt x="6827440" y="0"/>
-                  </a:lnTo>
-                  <a:lnTo>
-                    <a:pt x="6827440" y="0"/>
+                    <a:pt x="6829183" y="0"/>
+                  </a:lnTo>
+                  <a:lnTo>
+                    <a:pt x="6829183" y="0"/>
                   </a:lnTo>
                 </a:path>
               </a:pathLst>
@@ -3304,21 +3304,21 @@
           </p:nvSpPr>
           <p:spPr>
             <a:xfrm>
-              <a:off x="2109652" y="3486794"/>
-              <a:ext cx="6827440" cy="0"/>
+              <a:off x="2107908" y="3487447"/>
+              <a:ext cx="6829183" cy="0"/>
             </a:xfrm>
             <a:custGeom>
               <a:avLst/>
               <a:pathLst>
-                <a:path w="6827440" h="0">
+                <a:path w="6829183" h="0">
                   <a:moveTo>
                     <a:pt x="0" y="0"/>
                   </a:moveTo>
                   <a:lnTo>
-                    <a:pt x="6827440" y="0"/>
-                  </a:lnTo>
-                  <a:lnTo>
-                    <a:pt x="6827440" y="0"/>
+                    <a:pt x="6829183" y="0"/>
+                  </a:lnTo>
+                  <a:lnTo>
+                    <a:pt x="6829183" y="0"/>
                   </a:lnTo>
                 </a:path>
               </a:pathLst>
@@ -3347,21 +3347,21 @@
           </p:nvSpPr>
           <p:spPr>
             <a:xfrm>
-              <a:off x="2109652" y="2568014"/>
-              <a:ext cx="6827440" cy="0"/>
+              <a:off x="2107908" y="2567372"/>
+              <a:ext cx="6829183" cy="0"/>
             </a:xfrm>
             <a:custGeom>
               <a:avLst/>
               <a:pathLst>
-                <a:path w="6827440" h="0">
+                <a:path w="6829183" h="0">
                   <a:moveTo>
                     <a:pt x="0" y="0"/>
                   </a:moveTo>
                   <a:lnTo>
-                    <a:pt x="6827440" y="0"/>
-                  </a:lnTo>
-                  <a:lnTo>
-                    <a:pt x="6827440" y="0"/>
+                    <a:pt x="6829183" y="0"/>
+                  </a:lnTo>
+                  <a:lnTo>
+                    <a:pt x="6829183" y="0"/>
                   </a:lnTo>
                 </a:path>
               </a:pathLst>
@@ -3390,21 +3390,21 @@
           </p:nvSpPr>
           <p:spPr>
             <a:xfrm>
-              <a:off x="2109652" y="4864963"/>
-              <a:ext cx="6827440" cy="0"/>
+              <a:off x="2107908" y="4867559"/>
+              <a:ext cx="6829183" cy="0"/>
             </a:xfrm>
             <a:custGeom>
               <a:avLst/>
               <a:pathLst>
-                <a:path w="6827440" h="0">
+                <a:path w="6829183" h="0">
                   <a:moveTo>
                     <a:pt x="0" y="0"/>
                   </a:moveTo>
                   <a:lnTo>
-                    <a:pt x="6827440" y="0"/>
-                  </a:lnTo>
-                  <a:lnTo>
-                    <a:pt x="6827440" y="0"/>
+                    <a:pt x="6829183" y="0"/>
+                  </a:lnTo>
+                  <a:lnTo>
+                    <a:pt x="6829183" y="0"/>
                   </a:lnTo>
                 </a:path>
               </a:pathLst>
@@ -3433,21 +3433,21 @@
           </p:nvSpPr>
           <p:spPr>
             <a:xfrm>
-              <a:off x="2109652" y="3946184"/>
-              <a:ext cx="6827440" cy="0"/>
+              <a:off x="2107908" y="3947484"/>
+              <a:ext cx="6829183" cy="0"/>
             </a:xfrm>
             <a:custGeom>
               <a:avLst/>
               <a:pathLst>
-                <a:path w="6827440" h="0">
+                <a:path w="6829183" h="0">
                   <a:moveTo>
                     <a:pt x="0" y="0"/>
                   </a:moveTo>
                   <a:lnTo>
-                    <a:pt x="6827440" y="0"/>
-                  </a:lnTo>
-                  <a:lnTo>
-                    <a:pt x="6827440" y="0"/>
+                    <a:pt x="6829183" y="0"/>
+                  </a:lnTo>
+                  <a:lnTo>
+                    <a:pt x="6829183" y="0"/>
                   </a:lnTo>
                 </a:path>
               </a:pathLst>
@@ -3476,21 +3476,21 @@
           </p:nvSpPr>
           <p:spPr>
             <a:xfrm>
-              <a:off x="2109652" y="3027404"/>
-              <a:ext cx="6827440" cy="0"/>
+              <a:off x="2107908" y="3027409"/>
+              <a:ext cx="6829183" cy="0"/>
             </a:xfrm>
             <a:custGeom>
               <a:avLst/>
               <a:pathLst>
-                <a:path w="6827440" h="0">
+                <a:path w="6829183" h="0">
                   <a:moveTo>
                     <a:pt x="0" y="0"/>
                   </a:moveTo>
                   <a:lnTo>
-                    <a:pt x="6827440" y="0"/>
-                  </a:lnTo>
-                  <a:lnTo>
-                    <a:pt x="6827440" y="0"/>
+                    <a:pt x="6829183" y="0"/>
+                  </a:lnTo>
+                  <a:lnTo>
+                    <a:pt x="6829183" y="0"/>
                   </a:lnTo>
                 </a:path>
               </a:pathLst>
@@ -3519,21 +3519,21 @@
           </p:nvSpPr>
           <p:spPr>
             <a:xfrm>
-              <a:off x="2109652" y="2108625"/>
-              <a:ext cx="6827440" cy="0"/>
+              <a:off x="2107908" y="2107334"/>
+              <a:ext cx="6829183" cy="0"/>
             </a:xfrm>
             <a:custGeom>
               <a:avLst/>
               <a:pathLst>
-                <a:path w="6827440" h="0">
+                <a:path w="6829183" h="0">
                   <a:moveTo>
                     <a:pt x="0" y="0"/>
                   </a:moveTo>
                   <a:lnTo>
-                    <a:pt x="6827440" y="0"/>
-                  </a:lnTo>
-                  <a:lnTo>
-                    <a:pt x="6827440" y="0"/>
+                    <a:pt x="6829183" y="0"/>
+                  </a:lnTo>
+                  <a:lnTo>
+                    <a:pt x="6829183" y="0"/>
                   </a:lnTo>
                 </a:path>
               </a:pathLst>
@@ -3562,15 +3562,15 @@
           </p:nvSpPr>
           <p:spPr>
             <a:xfrm>
-              <a:off x="2609221" y="1787052"/>
-              <a:ext cx="0" cy="3858874"/>
+              <a:off x="2607605" y="1785308"/>
+              <a:ext cx="0" cy="3864314"/>
             </a:xfrm>
             <a:custGeom>
               <a:avLst/>
               <a:pathLst>
-                <a:path w="0" h="3858874">
+                <a:path w="0" h="3864314">
                   <a:moveTo>
-                    <a:pt x="0" y="3858874"/>
+                    <a:pt x="0" y="3864314"/>
                   </a:moveTo>
                   <a:lnTo>
                     <a:pt x="0" y="0"/>
@@ -3605,15 +3605,15 @@
           </p:nvSpPr>
           <p:spPr>
             <a:xfrm>
-              <a:off x="3441835" y="1787052"/>
-              <a:ext cx="0" cy="3858874"/>
+              <a:off x="3440432" y="1785308"/>
+              <a:ext cx="0" cy="3864314"/>
             </a:xfrm>
             <a:custGeom>
               <a:avLst/>
               <a:pathLst>
-                <a:path w="0" h="3858874">
+                <a:path w="0" h="3864314">
                   <a:moveTo>
-                    <a:pt x="0" y="3858874"/>
+                    <a:pt x="0" y="3864314"/>
                   </a:moveTo>
                   <a:lnTo>
                     <a:pt x="0" y="0"/>
@@ -3648,15 +3648,15 @@
           </p:nvSpPr>
           <p:spPr>
             <a:xfrm>
-              <a:off x="4274450" y="1787052"/>
-              <a:ext cx="0" cy="3858874"/>
+              <a:off x="4273259" y="1785308"/>
+              <a:ext cx="0" cy="3864314"/>
             </a:xfrm>
             <a:custGeom>
               <a:avLst/>
               <a:pathLst>
-                <a:path w="0" h="3858874">
+                <a:path w="0" h="3864314">
                   <a:moveTo>
-                    <a:pt x="0" y="3858874"/>
+                    <a:pt x="0" y="3864314"/>
                   </a:moveTo>
                   <a:lnTo>
                     <a:pt x="0" y="0"/>
@@ -3691,15 +3691,15 @@
           </p:nvSpPr>
           <p:spPr>
             <a:xfrm>
-              <a:off x="5107065" y="1787052"/>
-              <a:ext cx="0" cy="3858874"/>
+              <a:off x="5106086" y="1785308"/>
+              <a:ext cx="0" cy="3864314"/>
             </a:xfrm>
             <a:custGeom>
               <a:avLst/>
               <a:pathLst>
-                <a:path w="0" h="3858874">
+                <a:path w="0" h="3864314">
                   <a:moveTo>
-                    <a:pt x="0" y="3858874"/>
+                    <a:pt x="0" y="3864314"/>
                   </a:moveTo>
                   <a:lnTo>
                     <a:pt x="0" y="0"/>
@@ -3734,15 +3734,15 @@
           </p:nvSpPr>
           <p:spPr>
             <a:xfrm>
-              <a:off x="5939679" y="1787052"/>
-              <a:ext cx="0" cy="3858874"/>
+              <a:off x="5938914" y="1785308"/>
+              <a:ext cx="0" cy="3864314"/>
             </a:xfrm>
             <a:custGeom>
               <a:avLst/>
               <a:pathLst>
-                <a:path w="0" h="3858874">
+                <a:path w="0" h="3864314">
                   <a:moveTo>
-                    <a:pt x="0" y="3858874"/>
+                    <a:pt x="0" y="3864314"/>
                   </a:moveTo>
                   <a:lnTo>
                     <a:pt x="0" y="0"/>
@@ -3777,15 +3777,15 @@
           </p:nvSpPr>
           <p:spPr>
             <a:xfrm>
-              <a:off x="6772294" y="1787052"/>
-              <a:ext cx="0" cy="3858874"/>
+              <a:off x="6771741" y="1785308"/>
+              <a:ext cx="0" cy="3864314"/>
             </a:xfrm>
             <a:custGeom>
               <a:avLst/>
               <a:pathLst>
-                <a:path w="0" h="3858874">
+                <a:path w="0" h="3864314">
                   <a:moveTo>
-                    <a:pt x="0" y="3858874"/>
+                    <a:pt x="0" y="3864314"/>
                   </a:moveTo>
                   <a:lnTo>
                     <a:pt x="0" y="0"/>
@@ -3820,15 +3820,15 @@
           </p:nvSpPr>
           <p:spPr>
             <a:xfrm>
-              <a:off x="7604909" y="1787052"/>
-              <a:ext cx="0" cy="3858874"/>
+              <a:off x="7604568" y="1785308"/>
+              <a:ext cx="0" cy="3864314"/>
             </a:xfrm>
             <a:custGeom>
               <a:avLst/>
               <a:pathLst>
-                <a:path w="0" h="3858874">
+                <a:path w="0" h="3864314">
                   <a:moveTo>
-                    <a:pt x="0" y="3858874"/>
+                    <a:pt x="0" y="3864314"/>
                   </a:moveTo>
                   <a:lnTo>
                     <a:pt x="0" y="0"/>
@@ -3863,15 +3863,15 @@
           </p:nvSpPr>
           <p:spPr>
             <a:xfrm>
-              <a:off x="8437523" y="1787052"/>
-              <a:ext cx="0" cy="3858874"/>
+              <a:off x="8437396" y="1785308"/>
+              <a:ext cx="0" cy="3864314"/>
             </a:xfrm>
             <a:custGeom>
               <a:avLst/>
               <a:pathLst>
-                <a:path w="0" h="3858874">
+                <a:path w="0" h="3864314">
                   <a:moveTo>
-                    <a:pt x="0" y="3858874"/>
+                    <a:pt x="0" y="3864314"/>
                   </a:moveTo>
                   <a:lnTo>
                     <a:pt x="0" y="0"/>
@@ -3906,15 +3906,15 @@
           </p:nvSpPr>
           <p:spPr>
             <a:xfrm>
-              <a:off x="2609221" y="2108625"/>
-              <a:ext cx="0" cy="459389"/>
+              <a:off x="2607605" y="2107334"/>
+              <a:ext cx="0" cy="460037"/>
             </a:xfrm>
             <a:custGeom>
               <a:avLst/>
               <a:pathLst>
-                <a:path w="0" h="459389">
+                <a:path w="0" h="460037">
                   <a:moveTo>
-                    <a:pt x="0" y="459389"/>
+                    <a:pt x="0" y="460037"/>
                   </a:moveTo>
                   <a:lnTo>
                     <a:pt x="0" y="0"/>
@@ -3946,18 +3946,18 @@
           </p:nvSpPr>
           <p:spPr>
             <a:xfrm>
-              <a:off x="2609221" y="3027404"/>
-              <a:ext cx="0" cy="459389"/>
+              <a:off x="2607605" y="3027409"/>
+              <a:ext cx="0" cy="460037"/>
             </a:xfrm>
             <a:custGeom>
               <a:avLst/>
               <a:pathLst>
-                <a:path w="0" h="459389">
+                <a:path w="0" h="460037">
                   <a:moveTo>
                     <a:pt x="0" y="0"/>
                   </a:moveTo>
                   <a:lnTo>
-                    <a:pt x="0" y="459389"/>
+                    <a:pt x="0" y="460037"/>
                   </a:lnTo>
                 </a:path>
               </a:pathLst>
@@ -3986,24 +3986,24 @@
           </p:nvSpPr>
           <p:spPr>
             <a:xfrm>
-              <a:off x="2296990" y="2568014"/>
-              <a:ext cx="624460" cy="459389"/>
+              <a:off x="2295294" y="2567372"/>
+              <a:ext cx="624620" cy="460037"/>
             </a:xfrm>
             <a:custGeom>
               <a:avLst/>
               <a:pathLst>
-                <a:path w="624460" h="459389">
+                <a:path w="624620" h="460037">
                   <a:moveTo>
                     <a:pt x="0" y="0"/>
                   </a:moveTo>
                   <a:lnTo>
-                    <a:pt x="0" y="459389"/>
-                  </a:lnTo>
-                  <a:lnTo>
-                    <a:pt x="624460" y="459389"/>
-                  </a:lnTo>
-                  <a:lnTo>
-                    <a:pt x="624460" y="0"/>
+                    <a:pt x="0" y="460037"/>
+                  </a:lnTo>
+                  <a:lnTo>
+                    <a:pt x="624620" y="460037"/>
+                  </a:lnTo>
+                  <a:lnTo>
+                    <a:pt x="624620" y="0"/>
                   </a:lnTo>
                   <a:close/>
                 </a:path>
@@ -4038,18 +4038,18 @@
           </p:nvSpPr>
           <p:spPr>
             <a:xfrm>
-              <a:off x="2296990" y="3027404"/>
-              <a:ext cx="624460" cy="0"/>
+              <a:off x="2295294" y="3027409"/>
+              <a:ext cx="624620" cy="0"/>
             </a:xfrm>
             <a:custGeom>
               <a:avLst/>
               <a:pathLst>
-                <a:path w="624460" h="0">
+                <a:path w="624620" h="0">
                   <a:moveTo>
                     <a:pt x="0" y="0"/>
                   </a:moveTo>
                   <a:lnTo>
-                    <a:pt x="624460" y="0"/>
+                    <a:pt x="624620" y="0"/>
                   </a:lnTo>
                 </a:path>
               </a:pathLst>
@@ -4078,15 +4078,15 @@
           </p:nvSpPr>
           <p:spPr>
             <a:xfrm>
-              <a:off x="3441835" y="2108625"/>
-              <a:ext cx="0" cy="459389"/>
+              <a:off x="3440432" y="2107334"/>
+              <a:ext cx="0" cy="460037"/>
             </a:xfrm>
             <a:custGeom>
               <a:avLst/>
               <a:pathLst>
-                <a:path w="0" h="459389">
+                <a:path w="0" h="460037">
                   <a:moveTo>
-                    <a:pt x="0" y="459389"/>
+                    <a:pt x="0" y="460037"/>
                   </a:moveTo>
                   <a:lnTo>
                     <a:pt x="0" y="0"/>
@@ -4118,18 +4118,18 @@
           </p:nvSpPr>
           <p:spPr>
             <a:xfrm>
-              <a:off x="3441835" y="3486794"/>
-              <a:ext cx="0" cy="1378169"/>
+              <a:off x="3440432" y="3487447"/>
+              <a:ext cx="0" cy="1380112"/>
             </a:xfrm>
             <a:custGeom>
               <a:avLst/>
               <a:pathLst>
-                <a:path w="0" h="1378169">
+                <a:path w="0" h="1380112">
                   <a:moveTo>
                     <a:pt x="0" y="0"/>
                   </a:moveTo>
                   <a:lnTo>
-                    <a:pt x="0" y="1378169"/>
+                    <a:pt x="0" y="1380112"/>
                   </a:lnTo>
                 </a:path>
               </a:pathLst>
@@ -4158,24 +4158,24 @@
           </p:nvSpPr>
           <p:spPr>
             <a:xfrm>
-              <a:off x="3129605" y="2568014"/>
-              <a:ext cx="624460" cy="918779"/>
+              <a:off x="3128122" y="2567372"/>
+              <a:ext cx="624620" cy="920074"/>
             </a:xfrm>
             <a:custGeom>
               <a:avLst/>
               <a:pathLst>
-                <a:path w="624460" h="918779">
+                <a:path w="624620" h="920074">
                   <a:moveTo>
                     <a:pt x="0" y="0"/>
                   </a:moveTo>
                   <a:lnTo>
-                    <a:pt x="0" y="918779"/>
-                  </a:lnTo>
-                  <a:lnTo>
-                    <a:pt x="624460" y="918779"/>
-                  </a:lnTo>
-                  <a:lnTo>
-                    <a:pt x="624460" y="0"/>
+                    <a:pt x="0" y="920074"/>
+                  </a:lnTo>
+                  <a:lnTo>
+                    <a:pt x="624620" y="920074"/>
+                  </a:lnTo>
+                  <a:lnTo>
+                    <a:pt x="624620" y="0"/>
                   </a:lnTo>
                   <a:close/>
                 </a:path>
@@ -4210,18 +4210,18 @@
           </p:nvSpPr>
           <p:spPr>
             <a:xfrm>
-              <a:off x="3129605" y="3027404"/>
-              <a:ext cx="624460" cy="0"/>
+              <a:off x="3128122" y="3027409"/>
+              <a:ext cx="624620" cy="0"/>
             </a:xfrm>
             <a:custGeom>
               <a:avLst/>
               <a:pathLst>
-                <a:path w="624460" h="0">
+                <a:path w="624620" h="0">
                   <a:moveTo>
                     <a:pt x="0" y="0"/>
                   </a:moveTo>
                   <a:lnTo>
-                    <a:pt x="624460" y="0"/>
+                    <a:pt x="624620" y="0"/>
                   </a:lnTo>
                 </a:path>
               </a:pathLst>
@@ -4250,15 +4250,15 @@
           </p:nvSpPr>
           <p:spPr>
             <a:xfrm>
-              <a:off x="4274450" y="2108625"/>
-              <a:ext cx="0" cy="459389"/>
+              <a:off x="4273259" y="2107334"/>
+              <a:ext cx="0" cy="460037"/>
             </a:xfrm>
             <a:custGeom>
               <a:avLst/>
               <a:pathLst>
-                <a:path w="0" h="459389">
+                <a:path w="0" h="460037">
                   <a:moveTo>
-                    <a:pt x="0" y="459389"/>
+                    <a:pt x="0" y="460037"/>
                   </a:moveTo>
                   <a:lnTo>
                     <a:pt x="0" y="0"/>
@@ -4290,18 +4290,18 @@
           </p:nvSpPr>
           <p:spPr>
             <a:xfrm>
-              <a:off x="4274450" y="3486794"/>
-              <a:ext cx="0" cy="1378169"/>
+              <a:off x="4273259" y="3487447"/>
+              <a:ext cx="0" cy="1380112"/>
             </a:xfrm>
             <a:custGeom>
               <a:avLst/>
               <a:pathLst>
-                <a:path w="0" h="1378169">
+                <a:path w="0" h="1380112">
                   <a:moveTo>
                     <a:pt x="0" y="0"/>
                   </a:moveTo>
                   <a:lnTo>
-                    <a:pt x="0" y="1378169"/>
+                    <a:pt x="0" y="1380112"/>
                   </a:lnTo>
                 </a:path>
               </a:pathLst>
@@ -4330,24 +4330,24 @@
           </p:nvSpPr>
           <p:spPr>
             <a:xfrm>
-              <a:off x="3962219" y="2568014"/>
-              <a:ext cx="624460" cy="918779"/>
+              <a:off x="3960949" y="2567372"/>
+              <a:ext cx="624620" cy="920074"/>
             </a:xfrm>
             <a:custGeom>
               <a:avLst/>
               <a:pathLst>
-                <a:path w="624460" h="918779">
+                <a:path w="624620" h="920074">
                   <a:moveTo>
                     <a:pt x="0" y="0"/>
                   </a:moveTo>
                   <a:lnTo>
-                    <a:pt x="0" y="918779"/>
-                  </a:lnTo>
-                  <a:lnTo>
-                    <a:pt x="624460" y="918779"/>
-                  </a:lnTo>
-                  <a:lnTo>
-                    <a:pt x="624460" y="0"/>
+                    <a:pt x="0" y="920074"/>
+                  </a:lnTo>
+                  <a:lnTo>
+                    <a:pt x="624620" y="920074"/>
+                  </a:lnTo>
+                  <a:lnTo>
+                    <a:pt x="624620" y="0"/>
                   </a:lnTo>
                   <a:close/>
                 </a:path>
@@ -4382,18 +4382,18 @@
           </p:nvSpPr>
           <p:spPr>
             <a:xfrm>
-              <a:off x="3962219" y="3027404"/>
-              <a:ext cx="624460" cy="0"/>
+              <a:off x="3960949" y="3027409"/>
+              <a:ext cx="624620" cy="0"/>
             </a:xfrm>
             <a:custGeom>
               <a:avLst/>
               <a:pathLst>
-                <a:path w="624460" h="0">
+                <a:path w="624620" h="0">
                   <a:moveTo>
                     <a:pt x="0" y="0"/>
                   </a:moveTo>
                   <a:lnTo>
-                    <a:pt x="624460" y="0"/>
+                    <a:pt x="624620" y="0"/>
                   </a:lnTo>
                 </a:path>
               </a:pathLst>
@@ -4422,15 +4422,15 @@
           </p:nvSpPr>
           <p:spPr>
             <a:xfrm>
-              <a:off x="5107065" y="2108625"/>
-              <a:ext cx="0" cy="459389"/>
+              <a:off x="5106086" y="2107334"/>
+              <a:ext cx="0" cy="460037"/>
             </a:xfrm>
             <a:custGeom>
               <a:avLst/>
               <a:pathLst>
-                <a:path w="0" h="459389">
+                <a:path w="0" h="460037">
                   <a:moveTo>
-                    <a:pt x="0" y="459389"/>
+                    <a:pt x="0" y="460037"/>
                   </a:moveTo>
                   <a:lnTo>
                     <a:pt x="0" y="0"/>
@@ -4462,18 +4462,18 @@
           </p:nvSpPr>
           <p:spPr>
             <a:xfrm>
-              <a:off x="5107065" y="3486794"/>
-              <a:ext cx="0" cy="1378169"/>
+              <a:off x="5106086" y="3487447"/>
+              <a:ext cx="0" cy="1380112"/>
             </a:xfrm>
             <a:custGeom>
               <a:avLst/>
               <a:pathLst>
-                <a:path w="0" h="1378169">
+                <a:path w="0" h="1380112">
                   <a:moveTo>
                     <a:pt x="0" y="0"/>
                   </a:moveTo>
                   <a:lnTo>
-                    <a:pt x="0" y="1378169"/>
+                    <a:pt x="0" y="1380112"/>
                   </a:lnTo>
                 </a:path>
               </a:pathLst>
@@ -4502,24 +4502,24 @@
           </p:nvSpPr>
           <p:spPr>
             <a:xfrm>
-              <a:off x="4794834" y="2568014"/>
-              <a:ext cx="624460" cy="918779"/>
+              <a:off x="4793776" y="2567372"/>
+              <a:ext cx="624620" cy="920074"/>
             </a:xfrm>
             <a:custGeom>
               <a:avLst/>
               <a:pathLst>
-                <a:path w="624460" h="918779">
+                <a:path w="624620" h="920074">
                   <a:moveTo>
                     <a:pt x="0" y="0"/>
                   </a:moveTo>
                   <a:lnTo>
-                    <a:pt x="0" y="918779"/>
-                  </a:lnTo>
-                  <a:lnTo>
-                    <a:pt x="624460" y="918779"/>
-                  </a:lnTo>
-                  <a:lnTo>
-                    <a:pt x="624460" y="0"/>
+                    <a:pt x="0" y="920074"/>
+                  </a:lnTo>
+                  <a:lnTo>
+                    <a:pt x="624620" y="920074"/>
+                  </a:lnTo>
+                  <a:lnTo>
+                    <a:pt x="624620" y="0"/>
                   </a:lnTo>
                   <a:close/>
                 </a:path>
@@ -4554,18 +4554,18 @@
           </p:nvSpPr>
           <p:spPr>
             <a:xfrm>
-              <a:off x="4794834" y="3027404"/>
-              <a:ext cx="624460" cy="0"/>
+              <a:off x="4793776" y="3027409"/>
+              <a:ext cx="624620" cy="0"/>
             </a:xfrm>
             <a:custGeom>
               <a:avLst/>
               <a:pathLst>
-                <a:path w="624460" h="0">
+                <a:path w="624620" h="0">
                   <a:moveTo>
                     <a:pt x="0" y="0"/>
                   </a:moveTo>
                   <a:lnTo>
-                    <a:pt x="624460" y="0"/>
+                    <a:pt x="624620" y="0"/>
                   </a:lnTo>
                 </a:path>
               </a:pathLst>
@@ -4594,15 +4594,15 @@
           </p:nvSpPr>
           <p:spPr>
             <a:xfrm>
-              <a:off x="5939679" y="2108625"/>
-              <a:ext cx="0" cy="459389"/>
+              <a:off x="5938914" y="2107334"/>
+              <a:ext cx="0" cy="460037"/>
             </a:xfrm>
             <a:custGeom>
               <a:avLst/>
               <a:pathLst>
-                <a:path w="0" h="459389">
+                <a:path w="0" h="460037">
                   <a:moveTo>
-                    <a:pt x="0" y="459389"/>
+                    <a:pt x="0" y="460037"/>
                   </a:moveTo>
                   <a:lnTo>
                     <a:pt x="0" y="0"/>
@@ -4634,18 +4634,18 @@
           </p:nvSpPr>
           <p:spPr>
             <a:xfrm>
-              <a:off x="5939679" y="3486794"/>
-              <a:ext cx="0" cy="1378169"/>
+              <a:off x="5938914" y="3487447"/>
+              <a:ext cx="0" cy="1380112"/>
             </a:xfrm>
             <a:custGeom>
               <a:avLst/>
               <a:pathLst>
-                <a:path w="0" h="1378169">
+                <a:path w="0" h="1380112">
                   <a:moveTo>
                     <a:pt x="0" y="0"/>
                   </a:moveTo>
                   <a:lnTo>
-                    <a:pt x="0" y="1378169"/>
+                    <a:pt x="0" y="1380112"/>
                   </a:lnTo>
                 </a:path>
               </a:pathLst>
@@ -4674,24 +4674,24 @@
           </p:nvSpPr>
           <p:spPr>
             <a:xfrm>
-              <a:off x="5627449" y="2568014"/>
-              <a:ext cx="624460" cy="918779"/>
+              <a:off x="5626604" y="2567372"/>
+              <a:ext cx="624620" cy="920074"/>
             </a:xfrm>
             <a:custGeom>
               <a:avLst/>
               <a:pathLst>
-                <a:path w="624460" h="918779">
+                <a:path w="624620" h="920074">
                   <a:moveTo>
                     <a:pt x="0" y="0"/>
                   </a:moveTo>
                   <a:lnTo>
-                    <a:pt x="0" y="918779"/>
-                  </a:lnTo>
-                  <a:lnTo>
-                    <a:pt x="624460" y="918779"/>
-                  </a:lnTo>
-                  <a:lnTo>
-                    <a:pt x="624460" y="0"/>
+                    <a:pt x="0" y="920074"/>
+                  </a:lnTo>
+                  <a:lnTo>
+                    <a:pt x="624620" y="920074"/>
+                  </a:lnTo>
+                  <a:lnTo>
+                    <a:pt x="624620" y="0"/>
                   </a:lnTo>
                   <a:close/>
                 </a:path>
@@ -4726,18 +4726,18 @@
           </p:nvSpPr>
           <p:spPr>
             <a:xfrm>
-              <a:off x="5627449" y="3027404"/>
-              <a:ext cx="624460" cy="0"/>
+              <a:off x="5626604" y="3027409"/>
+              <a:ext cx="624620" cy="0"/>
             </a:xfrm>
             <a:custGeom>
               <a:avLst/>
               <a:pathLst>
-                <a:path w="624460" h="0">
+                <a:path w="624620" h="0">
                   <a:moveTo>
                     <a:pt x="0" y="0"/>
                   </a:moveTo>
                   <a:lnTo>
-                    <a:pt x="624460" y="0"/>
+                    <a:pt x="624620" y="0"/>
                   </a:lnTo>
                 </a:path>
               </a:pathLst>
@@ -4766,15 +4766,15 @@
           </p:nvSpPr>
           <p:spPr>
             <a:xfrm>
-              <a:off x="6772294" y="2108625"/>
-              <a:ext cx="0" cy="459389"/>
+              <a:off x="6771741" y="2107334"/>
+              <a:ext cx="0" cy="460037"/>
             </a:xfrm>
             <a:custGeom>
               <a:avLst/>
               <a:pathLst>
-                <a:path w="0" h="459389">
+                <a:path w="0" h="460037">
                   <a:moveTo>
-                    <a:pt x="0" y="459389"/>
+                    <a:pt x="0" y="460037"/>
                   </a:moveTo>
                   <a:lnTo>
                     <a:pt x="0" y="0"/>
@@ -4806,18 +4806,18 @@
           </p:nvSpPr>
           <p:spPr>
             <a:xfrm>
-              <a:off x="6772294" y="3486794"/>
-              <a:ext cx="0" cy="1378169"/>
+              <a:off x="6771741" y="3487447"/>
+              <a:ext cx="0" cy="1380112"/>
             </a:xfrm>
             <a:custGeom>
               <a:avLst/>
               <a:pathLst>
-                <a:path w="0" h="1378169">
+                <a:path w="0" h="1380112">
                   <a:moveTo>
                     <a:pt x="0" y="0"/>
                   </a:moveTo>
                   <a:lnTo>
-                    <a:pt x="0" y="1378169"/>
+                    <a:pt x="0" y="1380112"/>
                   </a:lnTo>
                 </a:path>
               </a:pathLst>
@@ -4846,24 +4846,24 @@
           </p:nvSpPr>
           <p:spPr>
             <a:xfrm>
-              <a:off x="6460063" y="2568014"/>
-              <a:ext cx="624460" cy="918779"/>
+              <a:off x="6459431" y="2567372"/>
+              <a:ext cx="624620" cy="920074"/>
             </a:xfrm>
             <a:custGeom>
               <a:avLst/>
               <a:pathLst>
-                <a:path w="624460" h="918779">
+                <a:path w="624620" h="920074">
                   <a:moveTo>
                     <a:pt x="0" y="0"/>
                   </a:moveTo>
                   <a:lnTo>
-                    <a:pt x="0" y="918779"/>
-                  </a:lnTo>
-                  <a:lnTo>
-                    <a:pt x="624460" y="918779"/>
-                  </a:lnTo>
-                  <a:lnTo>
-                    <a:pt x="624460" y="0"/>
+                    <a:pt x="0" y="920074"/>
+                  </a:lnTo>
+                  <a:lnTo>
+                    <a:pt x="624620" y="920074"/>
+                  </a:lnTo>
+                  <a:lnTo>
+                    <a:pt x="624620" y="0"/>
                   </a:lnTo>
                   <a:close/>
                 </a:path>
@@ -4898,18 +4898,18 @@
           </p:nvSpPr>
           <p:spPr>
             <a:xfrm>
-              <a:off x="6460063" y="3027404"/>
-              <a:ext cx="624460" cy="0"/>
+              <a:off x="6459431" y="3027409"/>
+              <a:ext cx="624620" cy="0"/>
             </a:xfrm>
             <a:custGeom>
               <a:avLst/>
               <a:pathLst>
-                <a:path w="624460" h="0">
+                <a:path w="624620" h="0">
                   <a:moveTo>
                     <a:pt x="0" y="0"/>
                   </a:moveTo>
                   <a:lnTo>
-                    <a:pt x="624460" y="0"/>
+                    <a:pt x="624620" y="0"/>
                   </a:lnTo>
                 </a:path>
               </a:pathLst>
@@ -4938,15 +4938,15 @@
           </p:nvSpPr>
           <p:spPr>
             <a:xfrm>
-              <a:off x="7604909" y="2108625"/>
-              <a:ext cx="0" cy="459389"/>
+              <a:off x="7604568" y="2107334"/>
+              <a:ext cx="0" cy="460037"/>
             </a:xfrm>
             <a:custGeom>
               <a:avLst/>
               <a:pathLst>
-                <a:path w="0" h="459389">
+                <a:path w="0" h="460037">
                   <a:moveTo>
-                    <a:pt x="0" y="459389"/>
+                    <a:pt x="0" y="460037"/>
                   </a:moveTo>
                   <a:lnTo>
                     <a:pt x="0" y="0"/>
@@ -4978,18 +4978,18 @@
           </p:nvSpPr>
           <p:spPr>
             <a:xfrm>
-              <a:off x="7604909" y="3486794"/>
-              <a:ext cx="0" cy="1378169"/>
+              <a:off x="7604568" y="3487447"/>
+              <a:ext cx="0" cy="1380112"/>
             </a:xfrm>
             <a:custGeom>
               <a:avLst/>
               <a:pathLst>
-                <a:path w="0" h="1378169">
+                <a:path w="0" h="1380112">
                   <a:moveTo>
                     <a:pt x="0" y="0"/>
                   </a:moveTo>
                   <a:lnTo>
-                    <a:pt x="0" y="1378169"/>
+                    <a:pt x="0" y="1380112"/>
                   </a:lnTo>
                 </a:path>
               </a:pathLst>
@@ -5018,24 +5018,24 @@
           </p:nvSpPr>
           <p:spPr>
             <a:xfrm>
-              <a:off x="7292678" y="2568014"/>
-              <a:ext cx="624460" cy="918779"/>
+              <a:off x="7292258" y="2567372"/>
+              <a:ext cx="624620" cy="920074"/>
             </a:xfrm>
             <a:custGeom>
               <a:avLst/>
               <a:pathLst>
-                <a:path w="624460" h="918779">
+                <a:path w="624620" h="920074">
                   <a:moveTo>
                     <a:pt x="0" y="0"/>
                   </a:moveTo>
                   <a:lnTo>
-                    <a:pt x="0" y="918779"/>
-                  </a:lnTo>
-                  <a:lnTo>
-                    <a:pt x="624460" y="918779"/>
-                  </a:lnTo>
-                  <a:lnTo>
-                    <a:pt x="624460" y="0"/>
+                    <a:pt x="0" y="920074"/>
+                  </a:lnTo>
+                  <a:lnTo>
+                    <a:pt x="624620" y="920074"/>
+                  </a:lnTo>
+                  <a:lnTo>
+                    <a:pt x="624620" y="0"/>
                   </a:lnTo>
                   <a:close/>
                 </a:path>
@@ -5070,18 +5070,18 @@
           </p:nvSpPr>
           <p:spPr>
             <a:xfrm>
-              <a:off x="7292678" y="3027404"/>
-              <a:ext cx="624460" cy="0"/>
+              <a:off x="7292258" y="3027409"/>
+              <a:ext cx="624620" cy="0"/>
             </a:xfrm>
             <a:custGeom>
               <a:avLst/>
               <a:pathLst>
-                <a:path w="624460" h="0">
+                <a:path w="624620" h="0">
                   <a:moveTo>
                     <a:pt x="0" y="0"/>
                   </a:moveTo>
                   <a:lnTo>
-                    <a:pt x="624460" y="0"/>
+                    <a:pt x="624620" y="0"/>
                   </a:lnTo>
                 </a:path>
               </a:pathLst>
@@ -5110,15 +5110,15 @@
           </p:nvSpPr>
           <p:spPr>
             <a:xfrm>
-              <a:off x="8437523" y="2568014"/>
-              <a:ext cx="0" cy="459389"/>
+              <a:off x="8437396" y="2567372"/>
+              <a:ext cx="0" cy="460037"/>
             </a:xfrm>
             <a:custGeom>
               <a:avLst/>
               <a:pathLst>
-                <a:path w="0" h="459389">
+                <a:path w="0" h="460037">
                   <a:moveTo>
-                    <a:pt x="0" y="459389"/>
+                    <a:pt x="0" y="460037"/>
                   </a:moveTo>
                   <a:lnTo>
                     <a:pt x="0" y="0"/>
@@ -5150,18 +5150,18 @@
           </p:nvSpPr>
           <p:spPr>
             <a:xfrm>
-              <a:off x="8437523" y="3486794"/>
-              <a:ext cx="0" cy="459389"/>
+              <a:off x="8437396" y="3487447"/>
+              <a:ext cx="0" cy="460037"/>
             </a:xfrm>
             <a:custGeom>
               <a:avLst/>
               <a:pathLst>
-                <a:path w="0" h="459389">
+                <a:path w="0" h="460037">
                   <a:moveTo>
                     <a:pt x="0" y="0"/>
                   </a:moveTo>
                   <a:lnTo>
-                    <a:pt x="0" y="459389"/>
+                    <a:pt x="0" y="460037"/>
                   </a:lnTo>
                 </a:path>
               </a:pathLst>
@@ -5190,24 +5190,24 @@
           </p:nvSpPr>
           <p:spPr>
             <a:xfrm>
-              <a:off x="8125293" y="3027404"/>
-              <a:ext cx="624460" cy="459389"/>
+              <a:off x="8125085" y="3027409"/>
+              <a:ext cx="624620" cy="460037"/>
             </a:xfrm>
             <a:custGeom>
               <a:avLst/>
               <a:pathLst>
-                <a:path w="624460" h="459389">
+                <a:path w="624620" h="460037">
                   <a:moveTo>
                     <a:pt x="0" y="0"/>
                   </a:moveTo>
                   <a:lnTo>
-                    <a:pt x="0" y="459389"/>
-                  </a:lnTo>
-                  <a:lnTo>
-                    <a:pt x="624460" y="459389"/>
-                  </a:lnTo>
-                  <a:lnTo>
-                    <a:pt x="624460" y="0"/>
+                    <a:pt x="0" y="460037"/>
+                  </a:lnTo>
+                  <a:lnTo>
+                    <a:pt x="624620" y="460037"/>
+                  </a:lnTo>
+                  <a:lnTo>
+                    <a:pt x="624620" y="0"/>
                   </a:lnTo>
                   <a:close/>
                 </a:path>
@@ -5242,18 +5242,18 @@
           </p:nvSpPr>
           <p:spPr>
             <a:xfrm>
-              <a:off x="8125293" y="3027404"/>
-              <a:ext cx="624460" cy="0"/>
+              <a:off x="8125085" y="3027409"/>
+              <a:ext cx="624620" cy="0"/>
             </a:xfrm>
             <a:custGeom>
               <a:avLst/>
               <a:pathLst>
-                <a:path w="624460" h="0">
+                <a:path w="624620" h="0">
                   <a:moveTo>
                     <a:pt x="0" y="0"/>
                   </a:moveTo>
                   <a:lnTo>
-                    <a:pt x="624460" y="0"/>
+                    <a:pt x="624620" y="0"/>
                   </a:lnTo>
                 </a:path>
               </a:pathLst>
@@ -5282,7 +5282,7 @@
           </p:nvSpPr>
           <p:spPr>
             <a:xfrm>
-              <a:off x="2502356" y="2012166"/>
+              <a:off x="2500740" y="2010876"/>
               <a:ext cx="50111" cy="49221"/>
             </a:xfrm>
             <a:custGeom>
@@ -5358,7 +5358,7 @@
           </p:nvSpPr>
           <p:spPr>
             <a:xfrm>
-              <a:off x="2556918" y="2012166"/>
+              <a:off x="2555302" y="2010876"/>
               <a:ext cx="50111" cy="49221"/>
             </a:xfrm>
             <a:custGeom>
@@ -5434,7 +5434,7 @@
           </p:nvSpPr>
           <p:spPr>
             <a:xfrm>
-              <a:off x="2611480" y="2012166"/>
+              <a:off x="2609864" y="2010876"/>
               <a:ext cx="50111" cy="49221"/>
             </a:xfrm>
             <a:custGeom>
@@ -5510,7 +5510,7 @@
           </p:nvSpPr>
           <p:spPr>
             <a:xfrm>
-              <a:off x="2666041" y="2012166"/>
+              <a:off x="2664426" y="2010876"/>
               <a:ext cx="50111" cy="49221"/>
             </a:xfrm>
             <a:custGeom>
@@ -5586,7 +5586,7 @@
           </p:nvSpPr>
           <p:spPr>
             <a:xfrm>
-              <a:off x="5000200" y="2012166"/>
+              <a:off x="4999222" y="2010876"/>
               <a:ext cx="50111" cy="49221"/>
             </a:xfrm>
             <a:custGeom>
@@ -5662,7 +5662,7 @@
           </p:nvSpPr>
           <p:spPr>
             <a:xfrm>
-              <a:off x="5054762" y="2012166"/>
+              <a:off x="5053784" y="2010876"/>
               <a:ext cx="50111" cy="49221"/>
             </a:xfrm>
             <a:custGeom>
@@ -5738,7 +5738,7 @@
           </p:nvSpPr>
           <p:spPr>
             <a:xfrm>
-              <a:off x="5109324" y="2012166"/>
+              <a:off x="5108346" y="2010876"/>
               <a:ext cx="50111" cy="49221"/>
             </a:xfrm>
             <a:custGeom>
@@ -5814,7 +5814,7 @@
           </p:nvSpPr>
           <p:spPr>
             <a:xfrm>
-              <a:off x="5163885" y="2012166"/>
+              <a:off x="5162907" y="2010876"/>
               <a:ext cx="50111" cy="49221"/>
             </a:xfrm>
             <a:custGeom>
@@ -5890,7 +5890,7 @@
           </p:nvSpPr>
           <p:spPr>
             <a:xfrm>
-              <a:off x="3362252" y="2012166"/>
+              <a:off x="3360848" y="2010876"/>
               <a:ext cx="50111" cy="49221"/>
             </a:xfrm>
             <a:custGeom>
@@ -5966,7 +5966,7 @@
           </p:nvSpPr>
           <p:spPr>
             <a:xfrm>
-              <a:off x="3416814" y="2012166"/>
+              <a:off x="3415410" y="2010876"/>
               <a:ext cx="50111" cy="49221"/>
             </a:xfrm>
             <a:custGeom>
@@ -6042,7 +6042,7 @@
           </p:nvSpPr>
           <p:spPr>
             <a:xfrm>
-              <a:off x="3471375" y="2012166"/>
+              <a:off x="3469972" y="2010876"/>
               <a:ext cx="50111" cy="49221"/>
             </a:xfrm>
             <a:custGeom>
@@ -6118,7 +6118,7 @@
           </p:nvSpPr>
           <p:spPr>
             <a:xfrm>
-              <a:off x="6665430" y="2012166"/>
+              <a:off x="6664877" y="2010876"/>
               <a:ext cx="50111" cy="49221"/>
             </a:xfrm>
             <a:custGeom>
@@ -6194,7 +6194,7 @@
           </p:nvSpPr>
           <p:spPr>
             <a:xfrm>
-              <a:off x="6719991" y="2012166"/>
+              <a:off x="6719438" y="2010876"/>
               <a:ext cx="50111" cy="49221"/>
             </a:xfrm>
             <a:custGeom>
@@ -6270,7 +6270,7 @@
           </p:nvSpPr>
           <p:spPr>
             <a:xfrm>
-              <a:off x="6774553" y="2012166"/>
+              <a:off x="6774000" y="2010876"/>
               <a:ext cx="50111" cy="49221"/>
             </a:xfrm>
             <a:custGeom>
@@ -6346,7 +6346,7 @@
           </p:nvSpPr>
           <p:spPr>
             <a:xfrm>
-              <a:off x="6829115" y="2012166"/>
+              <a:off x="6828562" y="2010876"/>
               <a:ext cx="50111" cy="49221"/>
             </a:xfrm>
             <a:custGeom>
@@ -6422,7 +6422,7 @@
           </p:nvSpPr>
           <p:spPr>
             <a:xfrm>
-              <a:off x="8330659" y="2012166"/>
+              <a:off x="8330531" y="2010876"/>
               <a:ext cx="50111" cy="49221"/>
             </a:xfrm>
             <a:custGeom>
@@ -6498,7 +6498,7 @@
           </p:nvSpPr>
           <p:spPr>
             <a:xfrm>
-              <a:off x="8385221" y="2012166"/>
+              <a:off x="8385093" y="2010876"/>
               <a:ext cx="50111" cy="49221"/>
             </a:xfrm>
             <a:custGeom>
@@ -6574,7 +6574,7 @@
           </p:nvSpPr>
           <p:spPr>
             <a:xfrm>
-              <a:off x="8439782" y="2012166"/>
+              <a:off x="8439655" y="2010876"/>
               <a:ext cx="50111" cy="49221"/>
             </a:xfrm>
             <a:custGeom>
@@ -6650,7 +6650,7 @@
           </p:nvSpPr>
           <p:spPr>
             <a:xfrm>
-              <a:off x="8494344" y="2012166"/>
+              <a:off x="8494216" y="2010876"/>
               <a:ext cx="50111" cy="49221"/>
             </a:xfrm>
             <a:custGeom>
@@ -6726,21 +6726,21 @@
           </p:nvSpPr>
           <p:spPr>
             <a:xfrm>
-              <a:off x="2109652" y="3027404"/>
-              <a:ext cx="6827440" cy="0"/>
+              <a:off x="2107908" y="3027409"/>
+              <a:ext cx="6829183" cy="0"/>
             </a:xfrm>
             <a:custGeom>
               <a:avLst/>
               <a:pathLst>
-                <a:path w="6827440" h="0">
+                <a:path w="6829183" h="0">
                   <a:moveTo>
                     <a:pt x="0" y="0"/>
                   </a:moveTo>
                   <a:lnTo>
-                    <a:pt x="6827440" y="0"/>
-                  </a:lnTo>
-                  <a:lnTo>
-                    <a:pt x="6827440" y="0"/>
+                    <a:pt x="6829183" y="0"/>
+                  </a:lnTo>
+                  <a:lnTo>
+                    <a:pt x="6829183" y="0"/>
                   </a:lnTo>
                 </a:path>
               </a:pathLst>
@@ -6769,8 +6769,8 @@
           </p:nvSpPr>
           <p:spPr>
             <a:xfrm>
-              <a:off x="2109652" y="1787052"/>
-              <a:ext cx="6827440" cy="3858874"/>
+              <a:off x="2107908" y="1785308"/>
+              <a:ext cx="6829183" cy="3864314"/>
             </a:xfrm>
             <a:prstGeom prst="rect">
               <a:avLst/>
@@ -6799,7 +6799,7 @@
           </p:nvSpPr>
           <p:spPr>
             <a:xfrm>
-              <a:off x="1987431" y="4826519"/>
+              <a:off x="1985687" y="4829115"/>
               <a:ext cx="56316" cy="76889"/>
             </a:xfrm>
             <a:custGeom>
@@ -6863,7 +6863,7 @@
           </p:nvSpPr>
           <p:spPr>
             <a:xfrm>
-              <a:off x="1996490" y="4838246"/>
+              <a:off x="1994746" y="4840842"/>
               <a:ext cx="27176" cy="40005"/>
             </a:xfrm>
             <a:custGeom>
@@ -7077,7 +7077,7 @@
           </p:nvSpPr>
           <p:spPr>
             <a:xfrm>
-              <a:off x="1990541" y="3906593"/>
+              <a:off x="1988798" y="3907894"/>
               <a:ext cx="51568" cy="79126"/>
             </a:xfrm>
             <a:custGeom>
@@ -7951,7 +7951,7 @@
           </p:nvSpPr>
           <p:spPr>
             <a:xfrm>
-              <a:off x="2001292" y="3942500"/>
+              <a:off x="1999548" y="3943801"/>
               <a:ext cx="30832" cy="35306"/>
             </a:xfrm>
             <a:custGeom>
@@ -8462,7 +8462,7 @@
           </p:nvSpPr>
           <p:spPr>
             <a:xfrm>
-              <a:off x="1989723" y="2987813"/>
+              <a:off x="1987979" y="2987819"/>
               <a:ext cx="52442" cy="79126"/>
             </a:xfrm>
             <a:custGeom>
@@ -8776,7 +8776,7 @@
                     <a:pt x="5135" y="43131"/>
                   </a:lnTo>
                   <a:lnTo>
-                    <a:pt x="5588" y="42680"/>
+                    <a:pt x="5587" y="42680"/>
                   </a:lnTo>
                   <a:lnTo>
                     <a:pt x="6051" y="42249"/>
@@ -9459,7 +9459,7 @@
           </p:nvSpPr>
           <p:spPr>
             <a:xfrm>
-              <a:off x="2001565" y="2995126"/>
+              <a:off x="1999821" y="2995131"/>
               <a:ext cx="28485" cy="26575"/>
             </a:xfrm>
             <a:custGeom>
@@ -9970,7 +9970,7 @@
           </p:nvSpPr>
           <p:spPr>
             <a:xfrm>
-              <a:off x="1999873" y="3029069"/>
+              <a:off x="1998129" y="3029074"/>
               <a:ext cx="32087" cy="30504"/>
             </a:xfrm>
             <a:custGeom>
@@ -10481,7 +10481,7 @@
           </p:nvSpPr>
           <p:spPr>
             <a:xfrm>
-              <a:off x="1931223" y="2070180"/>
+              <a:off x="1929480" y="2068890"/>
               <a:ext cx="48185" cy="76889"/>
             </a:xfrm>
             <a:custGeom>
@@ -10545,7 +10545,7 @@
           </p:nvSpPr>
           <p:spPr>
             <a:xfrm>
-              <a:off x="1989232" y="2069034"/>
+              <a:off x="1987488" y="2067744"/>
               <a:ext cx="53424" cy="79126"/>
             </a:xfrm>
             <a:custGeom>
@@ -10988,7 +10988,7 @@
                     <a:pt x="48312" y="12306"/>
                   </a:lnTo>
                   <a:lnTo>
-                    <a:pt x="48895" y="13492"/>
+                    <a:pt x="48894" y="13492"/>
                   </a:lnTo>
                   <a:lnTo>
                     <a:pt x="49447" y="14740"/>
@@ -11056,7 +11056,7 @@
           </p:nvSpPr>
           <p:spPr>
             <a:xfrm>
-              <a:off x="1999164" y="2077001"/>
+              <a:off x="1997420" y="2075711"/>
               <a:ext cx="33506" cy="63137"/>
             </a:xfrm>
             <a:custGeom>
@@ -11567,7 +11567,7 @@
           </p:nvSpPr>
           <p:spPr>
             <a:xfrm>
-              <a:off x="2074857" y="4864963"/>
+              <a:off x="2073114" y="4867559"/>
               <a:ext cx="34794" cy="0"/>
             </a:xfrm>
             <a:custGeom>
@@ -11607,7 +11607,7 @@
           </p:nvSpPr>
           <p:spPr>
             <a:xfrm>
-              <a:off x="2074857" y="3946184"/>
+              <a:off x="2073114" y="3947484"/>
               <a:ext cx="34794" cy="0"/>
             </a:xfrm>
             <a:custGeom>
@@ -11647,7 +11647,7 @@
           </p:nvSpPr>
           <p:spPr>
             <a:xfrm>
-              <a:off x="2074857" y="3027404"/>
+              <a:off x="2073114" y="3027409"/>
               <a:ext cx="34794" cy="0"/>
             </a:xfrm>
             <a:custGeom>
@@ -11687,7 +11687,7 @@
           </p:nvSpPr>
           <p:spPr>
             <a:xfrm>
-              <a:off x="2074857" y="2108625"/>
+              <a:off x="2073114" y="2107334"/>
               <a:ext cx="34794" cy="0"/>
             </a:xfrm>
             <a:custGeom>
@@ -11727,7 +11727,7 @@
           </p:nvSpPr>
           <p:spPr>
             <a:xfrm>
-              <a:off x="2609221" y="5645926"/>
+              <a:off x="2607605" y="5649623"/>
               <a:ext cx="0" cy="34794"/>
             </a:xfrm>
             <a:custGeom>
@@ -11767,7 +11767,7 @@
           </p:nvSpPr>
           <p:spPr>
             <a:xfrm>
-              <a:off x="3441835" y="5645926"/>
+              <a:off x="3440432" y="5649623"/>
               <a:ext cx="0" cy="34794"/>
             </a:xfrm>
             <a:custGeom>
@@ -11807,7 +11807,7 @@
           </p:nvSpPr>
           <p:spPr>
             <a:xfrm>
-              <a:off x="4274450" y="5645926"/>
+              <a:off x="4273259" y="5649623"/>
               <a:ext cx="0" cy="34794"/>
             </a:xfrm>
             <a:custGeom>
@@ -11847,7 +11847,7 @@
           </p:nvSpPr>
           <p:spPr>
             <a:xfrm>
-              <a:off x="5107065" y="5645926"/>
+              <a:off x="5106086" y="5649623"/>
               <a:ext cx="0" cy="34794"/>
             </a:xfrm>
             <a:custGeom>
@@ -11887,7 +11887,7 @@
           </p:nvSpPr>
           <p:spPr>
             <a:xfrm>
-              <a:off x="5939679" y="5645926"/>
+              <a:off x="5938914" y="5649623"/>
               <a:ext cx="0" cy="34794"/>
             </a:xfrm>
             <a:custGeom>
@@ -11927,7 +11927,7 @@
           </p:nvSpPr>
           <p:spPr>
             <a:xfrm>
-              <a:off x="6772294" y="5645926"/>
+              <a:off x="6771741" y="5649623"/>
               <a:ext cx="0" cy="34794"/>
             </a:xfrm>
             <a:custGeom>
@@ -11967,7 +11967,7 @@
           </p:nvSpPr>
           <p:spPr>
             <a:xfrm>
-              <a:off x="7604909" y="5645926"/>
+              <a:off x="7604568" y="5649623"/>
               <a:ext cx="0" cy="34794"/>
             </a:xfrm>
             <a:custGeom>
@@ -12007,7 +12007,7 @@
           </p:nvSpPr>
           <p:spPr>
             <a:xfrm>
-              <a:off x="8437523" y="5645926"/>
+              <a:off x="8437396" y="5649623"/>
               <a:ext cx="0" cy="34794"/>
             </a:xfrm>
             <a:custGeom>
@@ -12047,7 +12047,7 @@
           </p:nvSpPr>
           <p:spPr>
             <a:xfrm>
-              <a:off x="2507065" y="5695950"/>
+              <a:off x="2505449" y="5699648"/>
               <a:ext cx="21391" cy="17462"/>
             </a:xfrm>
             <a:custGeom>
@@ -12144,7 +12144,7 @@
           </p:nvSpPr>
           <p:spPr>
             <a:xfrm>
-              <a:off x="2502699" y="5723017"/>
+              <a:off x="2501083" y="5726714"/>
               <a:ext cx="22264" cy="18335"/>
             </a:xfrm>
             <a:custGeom>
@@ -12241,7 +12241,7 @@
           </p:nvSpPr>
           <p:spPr>
             <a:xfrm>
-              <a:off x="2503572" y="5749648"/>
+              <a:off x="2501957" y="5753345"/>
               <a:ext cx="27940" cy="45402"/>
             </a:xfrm>
             <a:custGeom>
@@ -12338,7 +12338,7 @@
           </p:nvSpPr>
           <p:spPr>
             <a:xfrm>
-              <a:off x="2535442" y="5694204"/>
+              <a:off x="2533826" y="5697901"/>
               <a:ext cx="65920" cy="101282"/>
             </a:xfrm>
             <a:custGeom>
@@ -12735,7 +12735,7 @@
           </p:nvSpPr>
           <p:spPr>
             <a:xfrm>
-              <a:off x="2554650" y="5711230"/>
+              <a:off x="2553034" y="5714927"/>
               <a:ext cx="28376" cy="12660"/>
             </a:xfrm>
             <a:custGeom>
@@ -12832,7 +12832,7 @@
           </p:nvSpPr>
           <p:spPr>
             <a:xfrm>
-              <a:off x="2560762" y="5764054"/>
+              <a:off x="2559146" y="5767751"/>
               <a:ext cx="15279" cy="10040"/>
             </a:xfrm>
             <a:custGeom>
@@ -12875,7 +12875,7 @@
           </p:nvSpPr>
           <p:spPr>
             <a:xfrm>
-              <a:off x="2614896" y="5694641"/>
+              <a:off x="2613280" y="5698338"/>
               <a:ext cx="64174" cy="56316"/>
             </a:xfrm>
             <a:custGeom>
@@ -13236,7 +13236,7 @@
           </p:nvSpPr>
           <p:spPr>
             <a:xfrm>
-              <a:off x="2658552" y="5749211"/>
+              <a:off x="2656936" y="5752908"/>
               <a:ext cx="8731" cy="46712"/>
             </a:xfrm>
             <a:custGeom>
@@ -13279,7 +13279,7 @@
           </p:nvSpPr>
           <p:spPr>
             <a:xfrm>
-              <a:off x="2617952" y="5750084"/>
+              <a:off x="2616336" y="5753781"/>
               <a:ext cx="23574" cy="45839"/>
             </a:xfrm>
             <a:custGeom>
@@ -13436,7 +13436,7 @@
           </p:nvSpPr>
           <p:spPr>
             <a:xfrm>
-              <a:off x="2684746" y="5695514"/>
+              <a:off x="2683130" y="5699211"/>
               <a:ext cx="27066" cy="99972"/>
             </a:xfrm>
             <a:custGeom>
@@ -13629,7 +13629,7 @@
           </p:nvSpPr>
           <p:spPr>
             <a:xfrm>
-              <a:off x="2683873" y="5706865"/>
+              <a:off x="2682257" y="5710562"/>
               <a:ext cx="8731" cy="63301"/>
             </a:xfrm>
             <a:custGeom>
@@ -13672,7 +13672,7 @@
           </p:nvSpPr>
           <p:spPr>
             <a:xfrm>
-              <a:off x="3004836" y="5698570"/>
+              <a:off x="3003433" y="5702267"/>
               <a:ext cx="91678" cy="96916"/>
             </a:xfrm>
             <a:custGeom>
@@ -13727,7 +13727,7 @@
           </p:nvSpPr>
           <p:spPr>
             <a:xfrm>
-              <a:off x="3013567" y="5706865"/>
+              <a:off x="3012164" y="5710562"/>
               <a:ext cx="74215" cy="74215"/>
             </a:xfrm>
             <a:custGeom>
@@ -13770,7 +13770,7 @@
           </p:nvSpPr>
           <p:spPr>
             <a:xfrm>
-              <a:off x="3018370" y="5710794"/>
+              <a:off x="3016966" y="5714491"/>
               <a:ext cx="64611" cy="64174"/>
             </a:xfrm>
             <a:custGeom>
@@ -13781,10 +13781,10 @@
                     <a:pt x="0" y="12660"/>
                   </a:moveTo>
                   <a:lnTo>
-                    <a:pt x="27939" y="12660"/>
-                  </a:lnTo>
-                  <a:lnTo>
-                    <a:pt x="27939" y="0"/>
+                    <a:pt x="27940" y="12660"/>
+                  </a:lnTo>
+                  <a:lnTo>
+                    <a:pt x="27940" y="0"/>
                   </a:lnTo>
                   <a:lnTo>
                     <a:pt x="36671" y="0"/>
@@ -13817,10 +13817,10 @@
                     <a:pt x="8294" y="33615"/>
                   </a:lnTo>
                   <a:lnTo>
-                    <a:pt x="27939" y="33615"/>
-                  </a:lnTo>
-                  <a:lnTo>
-                    <a:pt x="27939" y="20955"/>
+                    <a:pt x="27940" y="33615"/>
+                  </a:lnTo>
+                  <a:lnTo>
+                    <a:pt x="27940" y="20955"/>
                   </a:lnTo>
                   <a:lnTo>
                     <a:pt x="0" y="20955"/>
@@ -13849,7 +13849,7 @@
           </p:nvSpPr>
           <p:spPr>
             <a:xfrm>
-              <a:off x="3034959" y="5752267"/>
+              <a:off x="3033556" y="5755964"/>
               <a:ext cx="31869" cy="14406"/>
             </a:xfrm>
             <a:custGeom>
@@ -13892,7 +13892,7 @@
           </p:nvSpPr>
           <p:spPr>
             <a:xfrm>
-              <a:off x="3110921" y="5695077"/>
+              <a:off x="3109518" y="5698774"/>
               <a:ext cx="31869" cy="100409"/>
             </a:xfrm>
             <a:custGeom>
@@ -14028,13 +14028,13 @@
           </p:nvSpPr>
           <p:spPr>
             <a:xfrm>
-              <a:off x="3136678" y="5695077"/>
-              <a:ext cx="76834" cy="100845"/>
+              <a:off x="3135275" y="5698774"/>
+              <a:ext cx="76835" cy="100845"/>
             </a:xfrm>
             <a:custGeom>
               <a:avLst/>
               <a:pathLst>
-                <a:path w="76834" h="100845">
+                <a:path w="76835" h="100845">
                   <a:moveTo>
                     <a:pt x="5238" y="19208"/>
                   </a:moveTo>
@@ -14087,7 +14087,7 @@
                     <a:pt x="73325" y="72294"/>
                   </a:lnTo>
                   <a:lnTo>
-                    <a:pt x="76834" y="75525"/>
+                    <a:pt x="76835" y="75525"/>
                   </a:lnTo>
                   <a:lnTo>
                     <a:pt x="72032" y="85129"/>
@@ -14216,7 +14216,7 @@
                     <a:pt x="25853" y="33423"/>
                   </a:lnTo>
                   <a:lnTo>
-                    <a:pt x="27940" y="27503"/>
+                    <a:pt x="27939" y="27503"/>
                   </a:lnTo>
                   <a:lnTo>
                     <a:pt x="5238" y="27503"/>
@@ -14245,7 +14245,7 @@
           </p:nvSpPr>
           <p:spPr>
             <a:xfrm>
-              <a:off x="3222244" y="5694641"/>
+              <a:off x="3220841" y="5698338"/>
               <a:ext cx="43656" cy="49331"/>
             </a:xfrm>
             <a:custGeom>
@@ -14474,7 +14474,7 @@
           </p:nvSpPr>
           <p:spPr>
             <a:xfrm>
-              <a:off x="3239270" y="5731312"/>
+              <a:off x="3237867" y="5735009"/>
               <a:ext cx="21828" cy="63301"/>
             </a:xfrm>
             <a:custGeom>
@@ -14580,7 +14580,7 @@
           </p:nvSpPr>
           <p:spPr>
             <a:xfrm>
-              <a:off x="3268083" y="5694204"/>
+              <a:off x="3266680" y="5697901"/>
               <a:ext cx="52824" cy="48458"/>
             </a:xfrm>
             <a:custGeom>
@@ -14684,7 +14684,7 @@
                     <a:pt x="21387" y="15624"/>
                   </a:lnTo>
                   <a:lnTo>
-                    <a:pt x="20955" y="17025"/>
+                    <a:pt x="20954" y="17025"/>
                   </a:lnTo>
                   <a:lnTo>
                     <a:pt x="52824" y="17025"/>
@@ -14762,7 +14762,7 @@
                     <a:pt x="38888" y="37893"/>
                   </a:lnTo>
                   <a:lnTo>
-                    <a:pt x="39522" y="36321"/>
+                    <a:pt x="39522" y="36322"/>
                   </a:lnTo>
                   <a:lnTo>
                     <a:pt x="40128" y="34750"/>
@@ -14809,7 +14809,7 @@
           </p:nvSpPr>
           <p:spPr>
             <a:xfrm>
-              <a:off x="3266337" y="5726510"/>
+              <a:off x="3264934" y="5730207"/>
               <a:ext cx="58935" cy="68976"/>
             </a:xfrm>
             <a:custGeom>
@@ -15032,18 +15032,18 @@
           </p:nvSpPr>
           <p:spPr>
             <a:xfrm>
-              <a:off x="3389448" y="5695077"/>
-              <a:ext cx="48894" cy="100409"/>
+              <a:off x="3388044" y="5698774"/>
+              <a:ext cx="48895" cy="100409"/>
             </a:xfrm>
             <a:custGeom>
               <a:avLst/>
               <a:pathLst>
-                <a:path w="48894" h="100409">
+                <a:path w="48895" h="100409">
                   <a:moveTo>
                     <a:pt x="48021" y="55880"/>
                   </a:moveTo>
                   <a:lnTo>
-                    <a:pt x="48894" y="64174"/>
+                    <a:pt x="48895" y="64174"/>
                   </a:lnTo>
                   <a:lnTo>
                     <a:pt x="35798" y="67230"/>
@@ -15099,7 +15099,7 @@
           </p:nvSpPr>
           <p:spPr>
             <a:xfrm>
-              <a:off x="3392504" y="5703372"/>
+              <a:off x="3391100" y="5707069"/>
               <a:ext cx="21828" cy="21828"/>
             </a:xfrm>
             <a:custGeom>
@@ -15196,7 +15196,7 @@
           </p:nvSpPr>
           <p:spPr>
             <a:xfrm>
-              <a:off x="3387265" y="5729129"/>
+              <a:off x="3385862" y="5732826"/>
               <a:ext cx="23137" cy="22264"/>
             </a:xfrm>
             <a:custGeom>
@@ -15293,7 +15293,7 @@
           </p:nvSpPr>
           <p:spPr>
             <a:xfrm>
-              <a:off x="3334877" y="5695077"/>
+              <a:off x="3333474" y="5698774"/>
               <a:ext cx="47148" cy="100845"/>
             </a:xfrm>
             <a:custGeom>
@@ -15489,7 +15489,7 @@
           </p:nvSpPr>
           <p:spPr>
             <a:xfrm>
-              <a:off x="3338370" y="5702499"/>
+              <a:off x="3336967" y="5706196"/>
               <a:ext cx="13533" cy="24010"/>
             </a:xfrm>
             <a:custGeom>
@@ -15586,7 +15586,7 @@
           </p:nvSpPr>
           <p:spPr>
             <a:xfrm>
-              <a:off x="3368056" y="5702499"/>
+              <a:off x="3366653" y="5706196"/>
               <a:ext cx="14843" cy="24447"/>
             </a:xfrm>
             <a:custGeom>
@@ -15683,7 +15683,7 @@
           </p:nvSpPr>
           <p:spPr>
             <a:xfrm>
-              <a:off x="3484618" y="5705555"/>
+              <a:off x="3483215" y="5709252"/>
               <a:ext cx="39290" cy="97353"/>
             </a:xfrm>
             <a:custGeom>
@@ -15900,7 +15900,7 @@
           </p:nvSpPr>
           <p:spPr>
             <a:xfrm>
-              <a:off x="3558397" y="5695077"/>
+              <a:off x="3556994" y="5698774"/>
               <a:ext cx="42346" cy="100845"/>
             </a:xfrm>
             <a:custGeom>
@@ -15923,10 +15923,10 @@
                     <a:pt x="26630" y="35361"/>
                   </a:lnTo>
                   <a:lnTo>
-                    <a:pt x="41910" y="35361"/>
-                  </a:lnTo>
-                  <a:lnTo>
-                    <a:pt x="41910" y="42783"/>
+                    <a:pt x="41909" y="35361"/>
+                  </a:lnTo>
+                  <a:lnTo>
+                    <a:pt x="41909" y="42783"/>
                   </a:lnTo>
                   <a:lnTo>
                     <a:pt x="26630" y="42783"/>
@@ -16096,7 +16096,7 @@
           </p:nvSpPr>
           <p:spPr>
             <a:xfrm>
-              <a:off x="3561453" y="5702499"/>
+              <a:off x="3560050" y="5706196"/>
               <a:ext cx="12223" cy="24010"/>
             </a:xfrm>
             <a:custGeom>
@@ -16104,7 +16104,7 @@
               <a:pathLst>
                 <a:path w="12223" h="24010">
                   <a:moveTo>
-                    <a:pt x="6985" y="0"/>
+                    <a:pt x="6984" y="0"/>
                   </a:moveTo>
                   <a:lnTo>
                     <a:pt x="7587" y="1938"/>
@@ -16193,7 +16193,7 @@
           </p:nvSpPr>
           <p:spPr>
             <a:xfrm>
-              <a:off x="3588084" y="5702499"/>
+              <a:off x="3586680" y="5706196"/>
               <a:ext cx="13533" cy="24447"/>
             </a:xfrm>
             <a:custGeom>
@@ -16290,7 +16290,7 @@
           </p:nvSpPr>
           <p:spPr>
             <a:xfrm>
-              <a:off x="3633050" y="5695514"/>
+              <a:off x="3631646" y="5699211"/>
               <a:ext cx="27066" cy="45402"/>
             </a:xfrm>
             <a:custGeom>
@@ -16387,7 +16387,7 @@
           </p:nvSpPr>
           <p:spPr>
             <a:xfrm>
-              <a:off x="3601181" y="5696387"/>
+              <a:off x="3599777" y="5700084"/>
               <a:ext cx="24010" cy="44965"/>
             </a:xfrm>
             <a:custGeom>
@@ -16455,7 +16455,7 @@
                     <a:pt x="12682" y="12703"/>
                   </a:lnTo>
                   <a:lnTo>
-                    <a:pt x="13969" y="8556"/>
+                    <a:pt x="13970" y="8556"/>
                   </a:lnTo>
                   <a:lnTo>
                     <a:pt x="15126" y="4321"/>
@@ -16484,7 +16484,7 @@
           </p:nvSpPr>
           <p:spPr>
             <a:xfrm>
-              <a:off x="3601181" y="5738734"/>
+              <a:off x="3599777" y="5742431"/>
               <a:ext cx="49331" cy="56316"/>
             </a:xfrm>
             <a:custGeom>
@@ -16773,7 +16773,7 @@
           </p:nvSpPr>
           <p:spPr>
             <a:xfrm>
-              <a:off x="3671031" y="5694641"/>
+              <a:off x="3669627" y="5698338"/>
               <a:ext cx="64174" cy="56316"/>
             </a:xfrm>
             <a:custGeom>
@@ -17134,7 +17134,7 @@
           </p:nvSpPr>
           <p:spPr>
             <a:xfrm>
-              <a:off x="3714687" y="5749211"/>
+              <a:off x="3713284" y="5752908"/>
               <a:ext cx="8731" cy="46712"/>
             </a:xfrm>
             <a:custGeom>
@@ -17177,7 +17177,7 @@
           </p:nvSpPr>
           <p:spPr>
             <a:xfrm>
-              <a:off x="3674087" y="5750084"/>
+              <a:off x="3672683" y="5753781"/>
               <a:ext cx="23574" cy="45839"/>
             </a:xfrm>
             <a:custGeom>
@@ -17334,7 +17334,7 @@
           </p:nvSpPr>
           <p:spPr>
             <a:xfrm>
-              <a:off x="3740881" y="5695514"/>
+              <a:off x="3739477" y="5699211"/>
               <a:ext cx="27066" cy="99972"/>
             </a:xfrm>
             <a:custGeom>
@@ -17527,7 +17527,7 @@
           </p:nvSpPr>
           <p:spPr>
             <a:xfrm>
-              <a:off x="3740007" y="5706865"/>
+              <a:off x="3738604" y="5710562"/>
               <a:ext cx="8731" cy="63301"/>
             </a:xfrm>
             <a:custGeom>
@@ -17570,7 +17570,7 @@
           </p:nvSpPr>
           <p:spPr>
             <a:xfrm>
-              <a:off x="3806802" y="5705555"/>
+              <a:off x="3805398" y="5709252"/>
               <a:ext cx="39290" cy="97353"/>
             </a:xfrm>
             <a:custGeom>
@@ -17787,7 +17787,7 @@
           </p:nvSpPr>
           <p:spPr>
             <a:xfrm>
-              <a:off x="4208529" y="5694641"/>
+              <a:off x="4207338" y="5698338"/>
               <a:ext cx="58499" cy="23137"/>
             </a:xfrm>
             <a:custGeom>
@@ -17896,7 +17896,7 @@
           </p:nvSpPr>
           <p:spPr>
             <a:xfrm>
-              <a:off x="4205473" y="5721271"/>
+              <a:off x="4204282" y="5724968"/>
               <a:ext cx="24447" cy="28376"/>
             </a:xfrm>
             <a:custGeom>
@@ -17993,7 +17993,7 @@
           </p:nvSpPr>
           <p:spPr>
             <a:xfrm>
-              <a:off x="4244764" y="5721708"/>
+              <a:off x="4243573" y="5725405"/>
               <a:ext cx="24010" cy="25320"/>
             </a:xfrm>
             <a:custGeom>
@@ -18090,7 +18090,7 @@
           </p:nvSpPr>
           <p:spPr>
             <a:xfrm>
-              <a:off x="4202854" y="5743099"/>
+              <a:off x="4201663" y="5746796"/>
               <a:ext cx="66357" cy="52824"/>
             </a:xfrm>
             <a:custGeom>
@@ -18403,7 +18403,7 @@
           </p:nvSpPr>
           <p:spPr>
             <a:xfrm>
-              <a:off x="4167056" y="5697697"/>
+              <a:off x="4165865" y="5701394"/>
               <a:ext cx="36234" cy="97790"/>
             </a:xfrm>
             <a:custGeom>
@@ -18618,7 +18618,7 @@
                     <a:pt x="3339" y="78672"/>
                   </a:lnTo>
                   <a:lnTo>
-                    <a:pt x="4190" y="73709"/>
+                    <a:pt x="4191" y="73709"/>
                   </a:lnTo>
                   <a:lnTo>
                     <a:pt x="4911" y="68649"/>
@@ -18665,7 +18665,7 @@
           </p:nvSpPr>
           <p:spPr>
             <a:xfrm>
-              <a:off x="4182335" y="5705555"/>
+              <a:off x="4181145" y="5709252"/>
               <a:ext cx="12223" cy="17462"/>
             </a:xfrm>
             <a:custGeom>
@@ -18708,7 +18708,7 @@
           </p:nvSpPr>
           <p:spPr>
             <a:xfrm>
-              <a:off x="4181899" y="5730439"/>
+              <a:off x="4180708" y="5734136"/>
               <a:ext cx="12660" cy="17462"/>
             </a:xfrm>
             <a:custGeom>
@@ -18781,7 +18781,7 @@
           </p:nvSpPr>
           <p:spPr>
             <a:xfrm>
-              <a:off x="4296278" y="5735678"/>
+              <a:off x="4295087" y="5739375"/>
               <a:ext cx="29686" cy="13969"/>
             </a:xfrm>
             <a:custGeom>
@@ -18824,7 +18824,7 @@
           </p:nvSpPr>
           <p:spPr>
             <a:xfrm>
-              <a:off x="4302826" y="5740916"/>
+              <a:off x="4301636" y="5744614"/>
               <a:ext cx="16152" cy="3929"/>
             </a:xfrm>
             <a:custGeom>
@@ -18867,7 +18867,7 @@
           </p:nvSpPr>
           <p:spPr>
             <a:xfrm>
-              <a:off x="4332949" y="5735678"/>
+              <a:off x="4331759" y="5739375"/>
               <a:ext cx="30559" cy="13969"/>
             </a:xfrm>
             <a:custGeom>
@@ -18910,7 +18910,7 @@
           </p:nvSpPr>
           <p:spPr>
             <a:xfrm>
-              <a:off x="4339498" y="5740916"/>
+              <a:off x="4338307" y="5744614"/>
               <a:ext cx="17025" cy="3929"/>
             </a:xfrm>
             <a:custGeom>
@@ -18953,7 +18953,7 @@
           </p:nvSpPr>
           <p:spPr>
             <a:xfrm>
-              <a:off x="4283618" y="5694204"/>
+              <a:off x="4282427" y="5697901"/>
               <a:ext cx="93860" cy="48021"/>
             </a:xfrm>
             <a:custGeom>
@@ -19068,7 +19068,7 @@
           </p:nvSpPr>
           <p:spPr>
             <a:xfrm>
-              <a:off x="4334259" y="5712976"/>
+              <a:off x="4333068" y="5716674"/>
               <a:ext cx="25757" cy="4365"/>
             </a:xfrm>
             <a:custGeom>
@@ -19111,7 +19111,7 @@
           </p:nvSpPr>
           <p:spPr>
             <a:xfrm>
-              <a:off x="4299771" y="5712976"/>
+              <a:off x="4298580" y="5716674"/>
               <a:ext cx="26193" cy="4365"/>
             </a:xfrm>
             <a:custGeom>
@@ -19154,7 +19154,7 @@
           </p:nvSpPr>
           <p:spPr>
             <a:xfrm>
-              <a:off x="4280562" y="5747028"/>
+              <a:off x="4279371" y="5750725"/>
               <a:ext cx="96916" cy="49331"/>
             </a:xfrm>
             <a:custGeom>
@@ -19189,10 +19189,10 @@
                     <a:pt x="66794" y="6548"/>
                   </a:lnTo>
                   <a:lnTo>
-                    <a:pt x="90804" y="6548"/>
-                  </a:lnTo>
-                  <a:lnTo>
-                    <a:pt x="90804" y="11787"/>
+                    <a:pt x="90805" y="6548"/>
+                  </a:lnTo>
+                  <a:lnTo>
+                    <a:pt x="90805" y="11787"/>
                   </a:lnTo>
                   <a:lnTo>
                     <a:pt x="66794" y="11787"/>
@@ -19321,7 +19321,7 @@
                     <a:pt x="81130" y="40251"/>
                   </a:lnTo>
                   <a:lnTo>
-                    <a:pt x="82920" y="40512"/>
+                    <a:pt x="82920" y="40513"/>
                   </a:lnTo>
                   <a:lnTo>
                     <a:pt x="84762" y="40774"/>
@@ -19423,10 +19423,10 @@
                     <a:pt x="31869" y="48895"/>
                   </a:lnTo>
                   <a:lnTo>
-                    <a:pt x="27939" y="45402"/>
-                  </a:lnTo>
-                  <a:lnTo>
-                    <a:pt x="27939" y="38854"/>
+                    <a:pt x="27940" y="45402"/>
+                  </a:lnTo>
+                  <a:lnTo>
+                    <a:pt x="27940" y="38854"/>
                   </a:lnTo>
                   <a:lnTo>
                     <a:pt x="25355" y="39871"/>
@@ -19542,7 +19542,7 @@
           </p:nvSpPr>
           <p:spPr>
             <a:xfrm>
-              <a:off x="4316360" y="5758815"/>
+              <a:off x="4315169" y="5762513"/>
               <a:ext cx="23574" cy="3492"/>
             </a:xfrm>
             <a:custGeom>
@@ -19585,7 +19585,7 @@
           </p:nvSpPr>
           <p:spPr>
             <a:xfrm>
-              <a:off x="4316360" y="5767547"/>
+              <a:off x="4315169" y="5771244"/>
               <a:ext cx="23574" cy="3492"/>
             </a:xfrm>
             <a:custGeom>
@@ -19628,7 +19628,7 @@
           </p:nvSpPr>
           <p:spPr>
             <a:xfrm>
-              <a:off x="4836832" y="5694204"/>
+              <a:off x="4835854" y="5697901"/>
               <a:ext cx="52824" cy="14406"/>
             </a:xfrm>
             <a:custGeom>
@@ -19725,7 +19725,7 @@
           </p:nvSpPr>
           <p:spPr>
             <a:xfrm>
-              <a:off x="4875686" y="5709920"/>
+              <a:off x="4874708" y="5713618"/>
               <a:ext cx="16152" cy="21391"/>
             </a:xfrm>
             <a:custGeom>
@@ -19822,7 +19822,7 @@
           </p:nvSpPr>
           <p:spPr>
             <a:xfrm>
-              <a:off x="4857351" y="5711667"/>
+              <a:off x="4856373" y="5715364"/>
               <a:ext cx="10914" cy="19645"/>
             </a:xfrm>
             <a:custGeom>
@@ -19919,7 +19919,7 @@
           </p:nvSpPr>
           <p:spPr>
             <a:xfrm>
-              <a:off x="4835959" y="5712976"/>
+              <a:off x="4834981" y="5716674"/>
               <a:ext cx="15279" cy="18772"/>
             </a:xfrm>
             <a:custGeom>
@@ -20016,7 +20016,7 @@
           </p:nvSpPr>
           <p:spPr>
             <a:xfrm>
-              <a:off x="4834213" y="5735241"/>
+              <a:off x="4833235" y="5738938"/>
               <a:ext cx="59809" cy="60245"/>
             </a:xfrm>
             <a:custGeom>
@@ -20156,7 +20156,7 @@
                     <a:pt x="20090" y="51937"/>
                   </a:lnTo>
                   <a:lnTo>
-                    <a:pt x="20955" y="51950"/>
+                    <a:pt x="20954" y="51950"/>
                   </a:lnTo>
                   <a:lnTo>
                     <a:pt x="21950" y="51933"/>
@@ -20356,7 +20356,7 @@
           </p:nvSpPr>
           <p:spPr>
             <a:xfrm>
-              <a:off x="4897951" y="5695077"/>
+              <a:off x="4896973" y="5698774"/>
               <a:ext cx="35798" cy="98663"/>
             </a:xfrm>
             <a:custGeom>
@@ -20639,7 +20639,7 @@
           </p:nvSpPr>
           <p:spPr>
             <a:xfrm>
-              <a:off x="4945100" y="5698133"/>
+              <a:off x="4944122" y="5701830"/>
               <a:ext cx="44965" cy="97353"/>
             </a:xfrm>
             <a:custGeom>
@@ -20718,7 +20718,7 @@
           </p:nvSpPr>
           <p:spPr>
             <a:xfrm>
-              <a:off x="4965182" y="5705991"/>
+              <a:off x="4964204" y="5709689"/>
               <a:ext cx="3929" cy="10477"/>
             </a:xfrm>
             <a:custGeom>
@@ -20761,7 +20761,7 @@
           </p:nvSpPr>
           <p:spPr>
             <a:xfrm>
-              <a:off x="4955141" y="5723890"/>
+              <a:off x="4954163" y="5727588"/>
               <a:ext cx="24447" cy="41473"/>
             </a:xfrm>
             <a:custGeom>
@@ -20903,7 +20903,7 @@
           </p:nvSpPr>
           <p:spPr>
             <a:xfrm>
-              <a:off x="4975659" y="5723890"/>
+              <a:off x="4974681" y="5727588"/>
               <a:ext cx="3929" cy="24010"/>
             </a:xfrm>
             <a:custGeom>
@@ -21000,7 +21000,7 @@
           </p:nvSpPr>
           <p:spPr>
             <a:xfrm>
-              <a:off x="4955141" y="5723890"/>
+              <a:off x="4954163" y="5727588"/>
               <a:ext cx="3929" cy="27066"/>
             </a:xfrm>
             <a:custGeom>
@@ -21070,7 +21070,7 @@
           </p:nvSpPr>
           <p:spPr>
             <a:xfrm>
-              <a:off x="4955141" y="5773222"/>
+              <a:off x="4954163" y="5776919"/>
               <a:ext cx="24447" cy="8731"/>
             </a:xfrm>
             <a:custGeom>
@@ -21113,7 +21113,7 @@
           </p:nvSpPr>
           <p:spPr>
             <a:xfrm>
-              <a:off x="4992685" y="5694204"/>
+              <a:off x="4991707" y="5697901"/>
               <a:ext cx="51950" cy="32305"/>
             </a:xfrm>
             <a:custGeom>
@@ -21339,7 +21339,7 @@
           </p:nvSpPr>
           <p:spPr>
             <a:xfrm>
-              <a:off x="5022808" y="5724764"/>
+              <a:off x="5021830" y="5728461"/>
               <a:ext cx="23574" cy="20954"/>
             </a:xfrm>
             <a:custGeom>
@@ -21436,7 +21436,7 @@
           </p:nvSpPr>
           <p:spPr>
             <a:xfrm>
-              <a:off x="4988756" y="5726946"/>
+              <a:off x="4987778" y="5730644"/>
               <a:ext cx="20081" cy="22701"/>
             </a:xfrm>
             <a:custGeom>
@@ -21533,7 +21533,7 @@
           </p:nvSpPr>
           <p:spPr>
             <a:xfrm>
-              <a:off x="4988320" y="5739170"/>
+              <a:off x="4987341" y="5742867"/>
               <a:ext cx="58062" cy="56753"/>
             </a:xfrm>
             <a:custGeom>
@@ -21882,7 +21882,7 @@
           </p:nvSpPr>
           <p:spPr>
             <a:xfrm>
-              <a:off x="5008838" y="5755323"/>
+              <a:off x="5007860" y="5759020"/>
               <a:ext cx="20518" cy="17025"/>
             </a:xfrm>
             <a:custGeom>
@@ -21979,7 +21979,7 @@
           </p:nvSpPr>
           <p:spPr>
             <a:xfrm>
-              <a:off x="5057733" y="5695077"/>
+              <a:off x="5056755" y="5698774"/>
               <a:ext cx="98663" cy="22701"/>
             </a:xfrm>
             <a:custGeom>
@@ -22070,7 +22070,7 @@
           </p:nvSpPr>
           <p:spPr>
             <a:xfrm>
-              <a:off x="5064281" y="5720835"/>
+              <a:off x="5063303" y="5724532"/>
               <a:ext cx="85566" cy="74652"/>
             </a:xfrm>
             <a:custGeom>
@@ -22125,7 +22125,7 @@
           </p:nvSpPr>
           <p:spPr>
             <a:xfrm>
-              <a:off x="5073013" y="5728693"/>
+              <a:off x="5072035" y="5732390"/>
               <a:ext cx="68103" cy="54570"/>
             </a:xfrm>
             <a:custGeom>
@@ -22168,7 +22168,7 @@
           </p:nvSpPr>
           <p:spPr>
             <a:xfrm>
-              <a:off x="5077378" y="5732185"/>
+              <a:off x="5076400" y="5735882"/>
               <a:ext cx="58935" cy="48458"/>
             </a:xfrm>
             <a:custGeom>
@@ -22337,7 +22337,7 @@
           </p:nvSpPr>
           <p:spPr>
             <a:xfrm>
-              <a:off x="5115796" y="5760125"/>
+              <a:off x="5114818" y="5763822"/>
               <a:ext cx="18335" cy="17899"/>
             </a:xfrm>
             <a:custGeom>
@@ -22434,7 +22434,7 @@
           </p:nvSpPr>
           <p:spPr>
             <a:xfrm>
-              <a:off x="5166874" y="5694641"/>
+              <a:off x="5165896" y="5698338"/>
               <a:ext cx="43656" cy="49331"/>
             </a:xfrm>
             <a:custGeom>
@@ -22663,7 +22663,7 @@
           </p:nvSpPr>
           <p:spPr>
             <a:xfrm>
-              <a:off x="5183900" y="5731312"/>
+              <a:off x="5182921" y="5735009"/>
               <a:ext cx="21828" cy="63301"/>
             </a:xfrm>
             <a:custGeom>
@@ -22769,7 +22769,7 @@
           </p:nvSpPr>
           <p:spPr>
             <a:xfrm>
-              <a:off x="5212713" y="5694204"/>
+              <a:off x="5211735" y="5697901"/>
               <a:ext cx="52824" cy="48458"/>
             </a:xfrm>
             <a:custGeom>
@@ -22951,7 +22951,7 @@
                     <a:pt x="38888" y="37893"/>
                   </a:lnTo>
                   <a:lnTo>
-                    <a:pt x="39522" y="36321"/>
+                    <a:pt x="39522" y="36322"/>
                   </a:lnTo>
                   <a:lnTo>
                     <a:pt x="40128" y="34750"/>
@@ -22998,7 +22998,7 @@
           </p:nvSpPr>
           <p:spPr>
             <a:xfrm>
-              <a:off x="5210966" y="5726510"/>
+              <a:off x="5209988" y="5730207"/>
               <a:ext cx="58935" cy="68976"/>
             </a:xfrm>
             <a:custGeom>
@@ -23221,7 +23221,7 @@
           </p:nvSpPr>
           <p:spPr>
             <a:xfrm>
-              <a:off x="5334077" y="5695077"/>
+              <a:off x="5333099" y="5698774"/>
               <a:ext cx="48895" cy="100409"/>
             </a:xfrm>
             <a:custGeom>
@@ -23288,7 +23288,7 @@
           </p:nvSpPr>
           <p:spPr>
             <a:xfrm>
-              <a:off x="5337133" y="5703372"/>
+              <a:off x="5336155" y="5707069"/>
               <a:ext cx="21828" cy="21828"/>
             </a:xfrm>
             <a:custGeom>
@@ -23385,7 +23385,7 @@
           </p:nvSpPr>
           <p:spPr>
             <a:xfrm>
-              <a:off x="5331894" y="5729129"/>
+              <a:off x="5330916" y="5732826"/>
               <a:ext cx="23137" cy="22264"/>
             </a:xfrm>
             <a:custGeom>
@@ -23482,7 +23482,7 @@
           </p:nvSpPr>
           <p:spPr>
             <a:xfrm>
-              <a:off x="5279507" y="5695077"/>
+              <a:off x="5278529" y="5698774"/>
               <a:ext cx="47148" cy="100845"/>
             </a:xfrm>
             <a:custGeom>
@@ -23678,7 +23678,7 @@
           </p:nvSpPr>
           <p:spPr>
             <a:xfrm>
-              <a:off x="5282999" y="5702499"/>
+              <a:off x="5282021" y="5706196"/>
               <a:ext cx="13533" cy="24010"/>
             </a:xfrm>
             <a:custGeom>
@@ -23686,7 +23686,7 @@
               <a:pathLst>
                 <a:path w="13533" h="24010">
                   <a:moveTo>
-                    <a:pt x="6985" y="0"/>
+                    <a:pt x="6984" y="0"/>
                   </a:moveTo>
                   <a:lnTo>
                     <a:pt x="7679" y="1938"/>
@@ -23719,7 +23719,7 @@
                     <a:pt x="13533" y="20955"/>
                   </a:lnTo>
                   <a:lnTo>
-                    <a:pt x="6985" y="24010"/>
+                    <a:pt x="6984" y="24010"/>
                   </a:lnTo>
                   <a:lnTo>
                     <a:pt x="6365" y="21679"/>
@@ -23775,7 +23775,7 @@
           </p:nvSpPr>
           <p:spPr>
             <a:xfrm>
-              <a:off x="5312686" y="5702499"/>
+              <a:off x="5311707" y="5706196"/>
               <a:ext cx="14843" cy="24447"/>
             </a:xfrm>
             <a:custGeom>
@@ -23872,7 +23872,7 @@
           </p:nvSpPr>
           <p:spPr>
             <a:xfrm>
-              <a:off x="5833595" y="5695077"/>
+              <a:off x="5832829" y="5698774"/>
               <a:ext cx="41036" cy="100409"/>
             </a:xfrm>
             <a:custGeom>
@@ -24158,7 +24158,7 @@
           </p:nvSpPr>
           <p:spPr>
             <a:xfrm>
-              <a:off x="5872012" y="5694204"/>
+              <a:off x="5871247" y="5697901"/>
               <a:ext cx="58062" cy="48458"/>
             </a:xfrm>
             <a:custGeom>
@@ -24387,7 +24387,7 @@
           </p:nvSpPr>
           <p:spPr>
             <a:xfrm>
-              <a:off x="5872449" y="5726510"/>
+              <a:off x="5871683" y="5730207"/>
               <a:ext cx="62428" cy="68976"/>
             </a:xfrm>
             <a:custGeom>
@@ -24610,7 +24610,7 @@
           </p:nvSpPr>
           <p:spPr>
             <a:xfrm>
-              <a:off x="5944481" y="5695077"/>
+              <a:off x="5943716" y="5698774"/>
               <a:ext cx="39290" cy="100409"/>
             </a:xfrm>
             <a:custGeom>
@@ -24806,7 +24806,7 @@
           </p:nvSpPr>
           <p:spPr>
             <a:xfrm>
-              <a:off x="5947101" y="5702499"/>
+              <a:off x="5946335" y="5706196"/>
               <a:ext cx="11350" cy="24010"/>
             </a:xfrm>
             <a:custGeom>
@@ -24903,7 +24903,7 @@
           </p:nvSpPr>
           <p:spPr>
             <a:xfrm>
-              <a:off x="5971548" y="5702499"/>
+              <a:off x="5970783" y="5706196"/>
               <a:ext cx="13096" cy="24447"/>
             </a:xfrm>
             <a:custGeom>
@@ -25000,7 +25000,7 @@
           </p:nvSpPr>
           <p:spPr>
             <a:xfrm>
-              <a:off x="5978970" y="5694204"/>
+              <a:off x="5978204" y="5697901"/>
               <a:ext cx="67230" cy="101282"/>
             </a:xfrm>
             <a:custGeom>
@@ -25247,7 +25247,7 @@
           </p:nvSpPr>
           <p:spPr>
             <a:xfrm>
-              <a:off x="5995996" y="5711230"/>
+              <a:off x="5995230" y="5714927"/>
               <a:ext cx="18772" cy="22264"/>
             </a:xfrm>
             <a:custGeom>
@@ -25302,7 +25302,7 @@
           </p:nvSpPr>
           <p:spPr>
             <a:xfrm>
-              <a:off x="6023063" y="5725637"/>
+              <a:off x="6022297" y="5729334"/>
               <a:ext cx="9604" cy="7858"/>
             </a:xfrm>
             <a:custGeom>
@@ -25345,7 +25345,7 @@
           </p:nvSpPr>
           <p:spPr>
             <a:xfrm>
-              <a:off x="6023063" y="5740916"/>
+              <a:off x="6022297" y="5744614"/>
               <a:ext cx="9604" cy="8294"/>
             </a:xfrm>
             <a:custGeom>
@@ -25388,7 +25388,7 @@
           </p:nvSpPr>
           <p:spPr>
             <a:xfrm>
-              <a:off x="6007346" y="5770603"/>
+              <a:off x="6006581" y="5774300"/>
               <a:ext cx="25757" cy="12660"/>
             </a:xfrm>
             <a:custGeom>
@@ -25431,7 +25431,7 @@
           </p:nvSpPr>
           <p:spPr>
             <a:xfrm>
-              <a:off x="6666209" y="5698133"/>
+              <a:off x="6665656" y="5701830"/>
               <a:ext cx="44965" cy="97353"/>
             </a:xfrm>
             <a:custGeom>
@@ -25510,7 +25510,7 @@
           </p:nvSpPr>
           <p:spPr>
             <a:xfrm>
-              <a:off x="6686291" y="5705991"/>
+              <a:off x="6685738" y="5709689"/>
               <a:ext cx="3929" cy="10477"/>
             </a:xfrm>
             <a:custGeom>
@@ -25553,7 +25553,7 @@
           </p:nvSpPr>
           <p:spPr>
             <a:xfrm>
-              <a:off x="6676250" y="5723890"/>
+              <a:off x="6675697" y="5727588"/>
               <a:ext cx="24447" cy="41473"/>
             </a:xfrm>
             <a:custGeom>
@@ -25627,10 +25627,10 @@
                     <a:pt x="13989" y="23794"/>
                   </a:lnTo>
                   <a:lnTo>
-                    <a:pt x="13969" y="22701"/>
-                  </a:lnTo>
-                  <a:lnTo>
-                    <a:pt x="13969" y="0"/>
+                    <a:pt x="13970" y="22701"/>
+                  </a:lnTo>
+                  <a:lnTo>
+                    <a:pt x="13970" y="0"/>
                   </a:lnTo>
                   <a:lnTo>
                     <a:pt x="10040" y="0"/>
@@ -25695,7 +25695,7 @@
           </p:nvSpPr>
           <p:spPr>
             <a:xfrm>
-              <a:off x="6696769" y="5723890"/>
+              <a:off x="6696216" y="5727588"/>
               <a:ext cx="3929" cy="24010"/>
             </a:xfrm>
             <a:custGeom>
@@ -25792,7 +25792,7 @@
           </p:nvSpPr>
           <p:spPr>
             <a:xfrm>
-              <a:off x="6676250" y="5723890"/>
+              <a:off x="6675697" y="5727588"/>
               <a:ext cx="3929" cy="27066"/>
             </a:xfrm>
             <a:custGeom>
@@ -25862,7 +25862,7 @@
           </p:nvSpPr>
           <p:spPr>
             <a:xfrm>
-              <a:off x="6676250" y="5773222"/>
+              <a:off x="6675697" y="5776919"/>
               <a:ext cx="24447" cy="8731"/>
             </a:xfrm>
             <a:custGeom>
@@ -25905,7 +25905,7 @@
           </p:nvSpPr>
           <p:spPr>
             <a:xfrm>
-              <a:off x="6713794" y="5694204"/>
+              <a:off x="6713242" y="5697901"/>
               <a:ext cx="51950" cy="32305"/>
             </a:xfrm>
             <a:custGeom>
@@ -26131,7 +26131,7 @@
           </p:nvSpPr>
           <p:spPr>
             <a:xfrm>
-              <a:off x="6743917" y="5724764"/>
+              <a:off x="6743364" y="5728461"/>
               <a:ext cx="23574" cy="20954"/>
             </a:xfrm>
             <a:custGeom>
@@ -26228,7 +26228,7 @@
           </p:nvSpPr>
           <p:spPr>
             <a:xfrm>
-              <a:off x="6709865" y="5726946"/>
+              <a:off x="6709313" y="5730644"/>
               <a:ext cx="20081" cy="22701"/>
             </a:xfrm>
             <a:custGeom>
@@ -26325,7 +26325,7 @@
           </p:nvSpPr>
           <p:spPr>
             <a:xfrm>
-              <a:off x="6709429" y="5739170"/>
+              <a:off x="6708876" y="5742867"/>
               <a:ext cx="58062" cy="56753"/>
             </a:xfrm>
             <a:custGeom>
@@ -26333,7 +26333,7 @@
               <a:pathLst>
                 <a:path w="58062" h="56753">
                   <a:moveTo>
-                    <a:pt x="20955" y="0"/>
+                    <a:pt x="20954" y="0"/>
                   </a:moveTo>
                   <a:lnTo>
                     <a:pt x="29686" y="2182"/>
@@ -26674,7 +26674,7 @@
           </p:nvSpPr>
           <p:spPr>
             <a:xfrm>
-              <a:off x="6729947" y="5755323"/>
+              <a:off x="6729394" y="5759020"/>
               <a:ext cx="20518" cy="17025"/>
             </a:xfrm>
             <a:custGeom>
@@ -26771,7 +26771,7 @@
           </p:nvSpPr>
           <p:spPr>
             <a:xfrm>
-              <a:off x="6777969" y="5695077"/>
+              <a:off x="6777416" y="5698774"/>
               <a:ext cx="39727" cy="100845"/>
             </a:xfrm>
             <a:custGeom>
@@ -27093,7 +27093,7 @@
           </p:nvSpPr>
           <p:spPr>
             <a:xfrm>
-              <a:off x="6790193" y="5723017"/>
+              <a:off x="6789640" y="5726714"/>
               <a:ext cx="14843" cy="34925"/>
             </a:xfrm>
             <a:custGeom>
@@ -27190,7 +27190,7 @@
           </p:nvSpPr>
           <p:spPr>
             <a:xfrm>
-              <a:off x="6810711" y="5700753"/>
+              <a:off x="6810159" y="5704450"/>
               <a:ext cx="64611" cy="94734"/>
             </a:xfrm>
             <a:custGeom>
@@ -27276,7 +27276,7 @@
                     <a:pt x="52824" y="0"/>
                   </a:lnTo>
                   <a:lnTo>
-                    <a:pt x="48895" y="32305"/>
+                    <a:pt x="48894" y="32305"/>
                   </a:lnTo>
                   <a:lnTo>
                     <a:pt x="64611" y="32305"/>
@@ -27557,7 +27557,7 @@
           </p:nvSpPr>
           <p:spPr>
             <a:xfrm>
-              <a:off x="7385754" y="5698570"/>
+              <a:off x="7385414" y="5702267"/>
               <a:ext cx="99536" cy="97353"/>
             </a:xfrm>
             <a:custGeom>
@@ -27666,7 +27666,7 @@
           </p:nvSpPr>
           <p:spPr>
             <a:xfrm>
-              <a:off x="7403653" y="5715159"/>
+              <a:off x="7403313" y="5718856"/>
               <a:ext cx="80327" cy="75961"/>
             </a:xfrm>
             <a:custGeom>
@@ -27745,7 +27745,7 @@
           </p:nvSpPr>
           <p:spPr>
             <a:xfrm>
-              <a:off x="7456914" y="5752267"/>
+              <a:off x="7456574" y="5755964"/>
               <a:ext cx="20954" cy="23574"/>
             </a:xfrm>
             <a:custGeom>
@@ -27753,7 +27753,7 @@
               <a:pathLst>
                 <a:path w="20954" h="23574">
                   <a:moveTo>
-                    <a:pt x="6984" y="0"/>
+                    <a:pt x="6985" y="0"/>
                   </a:moveTo>
                   <a:lnTo>
                     <a:pt x="8696" y="1763"/>
@@ -27842,7 +27842,7 @@
           </p:nvSpPr>
           <p:spPr>
             <a:xfrm>
-              <a:off x="7497951" y="5695950"/>
+              <a:off x="7497611" y="5699648"/>
               <a:ext cx="95170" cy="99536"/>
             </a:xfrm>
             <a:custGeom>
@@ -27940,7 +27940,7 @@
                     <a:pt x="7792" y="82113"/>
                   </a:lnTo>
                   <a:lnTo>
-                    <a:pt x="9778" y="77865"/>
+                    <a:pt x="9779" y="77865"/>
                   </a:lnTo>
                   <a:lnTo>
                     <a:pt x="11459" y="73451"/>
@@ -27984,7 +27984,7 @@
           </p:nvSpPr>
           <p:spPr>
             <a:xfrm>
-              <a:off x="7609711" y="5695077"/>
+              <a:off x="7609371" y="5698774"/>
               <a:ext cx="39290" cy="100409"/>
             </a:xfrm>
             <a:custGeom>
@@ -28180,7 +28180,7 @@
           </p:nvSpPr>
           <p:spPr>
             <a:xfrm>
-              <a:off x="7612330" y="5702499"/>
+              <a:off x="7611990" y="5706196"/>
               <a:ext cx="11350" cy="24010"/>
             </a:xfrm>
             <a:custGeom>
@@ -28277,7 +28277,7 @@
           </p:nvSpPr>
           <p:spPr>
             <a:xfrm>
-              <a:off x="7636778" y="5702499"/>
+              <a:off x="7636437" y="5706196"/>
               <a:ext cx="13096" cy="24447"/>
             </a:xfrm>
             <a:custGeom>
@@ -28374,7 +28374,7 @@
           </p:nvSpPr>
           <p:spPr>
             <a:xfrm>
-              <a:off x="7644199" y="5694204"/>
+              <a:off x="7643859" y="5697901"/>
               <a:ext cx="67230" cy="101282"/>
             </a:xfrm>
             <a:custGeom>
@@ -28621,7 +28621,7 @@
           </p:nvSpPr>
           <p:spPr>
             <a:xfrm>
-              <a:off x="7661225" y="5711230"/>
+              <a:off x="7660885" y="5714927"/>
               <a:ext cx="18772" cy="22264"/>
             </a:xfrm>
             <a:custGeom>
@@ -28676,7 +28676,7 @@
           </p:nvSpPr>
           <p:spPr>
             <a:xfrm>
-              <a:off x="7688292" y="5725637"/>
+              <a:off x="7687952" y="5729334"/>
               <a:ext cx="9604" cy="7858"/>
             </a:xfrm>
             <a:custGeom>
@@ -28719,7 +28719,7 @@
           </p:nvSpPr>
           <p:spPr>
             <a:xfrm>
-              <a:off x="7688292" y="5740916"/>
+              <a:off x="7687952" y="5744614"/>
               <a:ext cx="9604" cy="8294"/>
             </a:xfrm>
             <a:custGeom>
@@ -28762,7 +28762,7 @@
           </p:nvSpPr>
           <p:spPr>
             <a:xfrm>
-              <a:off x="7672576" y="5770603"/>
+              <a:off x="7672236" y="5774300"/>
               <a:ext cx="25757" cy="12660"/>
             </a:xfrm>
             <a:custGeom>
@@ -28805,7 +28805,7 @@
           </p:nvSpPr>
           <p:spPr>
             <a:xfrm>
-              <a:off x="7722344" y="5699006"/>
+              <a:off x="7722004" y="5702704"/>
               <a:ext cx="99972" cy="96916"/>
             </a:xfrm>
             <a:custGeom>
@@ -29010,7 +29010,7 @@
           </p:nvSpPr>
           <p:spPr>
             <a:xfrm>
-              <a:off x="7741989" y="5707301"/>
+              <a:off x="7741649" y="5710998"/>
               <a:ext cx="25757" cy="10914"/>
             </a:xfrm>
             <a:custGeom>
@@ -29053,7 +29053,7 @@
           </p:nvSpPr>
           <p:spPr>
             <a:xfrm>
-              <a:off x="7776478" y="5707301"/>
+              <a:off x="7776137" y="5710998"/>
               <a:ext cx="26193" cy="10914"/>
             </a:xfrm>
             <a:custGeom>
@@ -29096,7 +29096,7 @@
           </p:nvSpPr>
           <p:spPr>
             <a:xfrm>
-              <a:off x="7741989" y="5725637"/>
+              <a:off x="7741649" y="5729334"/>
               <a:ext cx="25757" cy="10477"/>
             </a:xfrm>
             <a:custGeom>
@@ -29139,7 +29139,7 @@
           </p:nvSpPr>
           <p:spPr>
             <a:xfrm>
-              <a:off x="7776478" y="5725637"/>
+              <a:off x="7776137" y="5729334"/>
               <a:ext cx="26193" cy="10477"/>
             </a:xfrm>
             <a:custGeom>
@@ -29182,7 +29182,7 @@
           </p:nvSpPr>
           <p:spPr>
             <a:xfrm>
-              <a:off x="8057714" y="5698570"/>
+              <a:off x="8057586" y="5702267"/>
               <a:ext cx="92551" cy="92987"/>
             </a:xfrm>
             <a:custGeom>
@@ -29237,7 +29237,7 @@
           </p:nvSpPr>
           <p:spPr>
             <a:xfrm>
-              <a:off x="8075176" y="5708611"/>
+              <a:off x="8075049" y="5712308"/>
               <a:ext cx="70286" cy="72905"/>
             </a:xfrm>
             <a:custGeom>
@@ -29583,7 +29583,7 @@
           </p:nvSpPr>
           <p:spPr>
             <a:xfrm>
-              <a:off x="8165108" y="5695077"/>
+              <a:off x="8164981" y="5698774"/>
               <a:ext cx="99099" cy="96480"/>
             </a:xfrm>
             <a:custGeom>
@@ -29779,7 +29779,7 @@
           </p:nvSpPr>
           <p:spPr>
             <a:xfrm>
-              <a:off x="8276432" y="5699880"/>
+              <a:off x="8276304" y="5703577"/>
               <a:ext cx="99099" cy="96480"/>
             </a:xfrm>
             <a:custGeom>
@@ -29954,7 +29954,7 @@
           </p:nvSpPr>
           <p:spPr>
             <a:xfrm>
-              <a:off x="8312666" y="5708174"/>
+              <a:off x="8312539" y="5711871"/>
               <a:ext cx="30559" cy="30559"/>
             </a:xfrm>
             <a:custGeom>
@@ -30027,7 +30027,7 @@
           </p:nvSpPr>
           <p:spPr>
             <a:xfrm>
-              <a:off x="8393430" y="5695077"/>
+              <a:off x="8393303" y="5698774"/>
               <a:ext cx="87312" cy="100409"/>
             </a:xfrm>
             <a:custGeom>
@@ -30142,7 +30142,7 @@
           </p:nvSpPr>
           <p:spPr>
             <a:xfrm>
-              <a:off x="8540115" y="5695514"/>
+              <a:off x="8539988" y="5699211"/>
               <a:ext cx="56316" cy="99972"/>
             </a:xfrm>
             <a:custGeom>
@@ -30458,7 +30458,7 @@
           </p:nvSpPr>
           <p:spPr>
             <a:xfrm>
-              <a:off x="8554522" y="5738734"/>
+              <a:off x="8554394" y="5742431"/>
               <a:ext cx="19208" cy="25320"/>
             </a:xfrm>
             <a:custGeom>
@@ -30555,7 +30555,7 @@
           </p:nvSpPr>
           <p:spPr>
             <a:xfrm>
-              <a:off x="8502571" y="5695077"/>
+              <a:off x="8502443" y="5698774"/>
               <a:ext cx="35798" cy="96480"/>
             </a:xfrm>
             <a:custGeom>
@@ -30676,7 +30676,7 @@
           </p:nvSpPr>
           <p:spPr>
             <a:xfrm>
-              <a:off x="8510429" y="5717779"/>
+              <a:off x="8510302" y="5721476"/>
               <a:ext cx="20081" cy="25320"/>
             </a:xfrm>
             <a:custGeom>
@@ -30719,7 +30719,7 @@
           </p:nvSpPr>
           <p:spPr>
             <a:xfrm>
-              <a:off x="8510429" y="5751394"/>
+              <a:off x="8510302" y="5755091"/>
               <a:ext cx="20081" cy="25320"/>
             </a:xfrm>
             <a:custGeom>
@@ -30762,7 +30762,7 @@
           </p:nvSpPr>
           <p:spPr>
             <a:xfrm>
-              <a:off x="8612148" y="5695077"/>
+              <a:off x="8612021" y="5698774"/>
               <a:ext cx="98226" cy="25320"/>
             </a:xfrm>
             <a:custGeom>
@@ -30853,7 +30853,7 @@
           </p:nvSpPr>
           <p:spPr>
             <a:xfrm>
-              <a:off x="8650129" y="5723454"/>
+              <a:off x="8650002" y="5727151"/>
               <a:ext cx="57626" cy="71596"/>
             </a:xfrm>
             <a:custGeom>
@@ -31142,7 +31142,7 @@
           </p:nvSpPr>
           <p:spPr>
             <a:xfrm>
-              <a:off x="8666718" y="5751830"/>
+              <a:off x="8666591" y="5755528"/>
               <a:ext cx="20954" cy="24884"/>
             </a:xfrm>
             <a:custGeom>
@@ -31239,7 +31239,7 @@
           </p:nvSpPr>
           <p:spPr>
             <a:xfrm>
-              <a:off x="8612585" y="5722144"/>
+              <a:off x="8612457" y="5725841"/>
               <a:ext cx="39727" cy="55006"/>
             </a:xfrm>
             <a:custGeom>
@@ -31283,7 +31283,7 @@
                     <a:pt x="26800" y="21828"/>
                   </a:lnTo>
                   <a:lnTo>
-                    <a:pt x="27398" y="20954"/>
+                    <a:pt x="27398" y="20955"/>
                   </a:lnTo>
                   <a:lnTo>
                     <a:pt x="27988" y="20081"/>
@@ -31555,7 +31555,7 @@
           </p:nvSpPr>
           <p:spPr>
             <a:xfrm>
-              <a:off x="8613458" y="5779334"/>
+              <a:off x="8613330" y="5783031"/>
               <a:ext cx="39727" cy="15716"/>
             </a:xfrm>
             <a:custGeom>
@@ -31652,7 +31652,7 @@
           </p:nvSpPr>
           <p:spPr>
             <a:xfrm>
-              <a:off x="8735695" y="5699443"/>
+              <a:off x="8735568" y="5703140"/>
               <a:ext cx="74215" cy="37980"/>
             </a:xfrm>
             <a:custGeom>
@@ -31695,7 +31695,7 @@
           </p:nvSpPr>
           <p:spPr>
             <a:xfrm>
-              <a:off x="8744427" y="5707738"/>
+              <a:off x="8744299" y="5711435"/>
               <a:ext cx="57189" cy="21391"/>
             </a:xfrm>
             <a:custGeom>
@@ -31738,7 +31738,7 @@
           </p:nvSpPr>
           <p:spPr>
             <a:xfrm>
-              <a:off x="8726528" y="5746155"/>
+              <a:off x="8726400" y="5749852"/>
               <a:ext cx="41473" cy="49331"/>
             </a:xfrm>
             <a:custGeom>
@@ -31793,7 +31793,7 @@
           </p:nvSpPr>
           <p:spPr>
             <a:xfrm>
-              <a:off x="8734822" y="5754013"/>
+              <a:off x="8734695" y="5757710"/>
               <a:ext cx="24884" cy="27066"/>
             </a:xfrm>
             <a:custGeom>
@@ -31836,7 +31836,7 @@
           </p:nvSpPr>
           <p:spPr>
             <a:xfrm>
-              <a:off x="8777605" y="5746155"/>
+              <a:off x="8777478" y="5749852"/>
               <a:ext cx="41036" cy="49331"/>
             </a:xfrm>
             <a:custGeom>
@@ -31891,7 +31891,7 @@
           </p:nvSpPr>
           <p:spPr>
             <a:xfrm>
-              <a:off x="8785900" y="5754013"/>
+              <a:off x="8785772" y="5757710"/>
               <a:ext cx="24447" cy="27066"/>
             </a:xfrm>
             <a:custGeom>
@@ -31934,7 +31934,7 @@
           </p:nvSpPr>
           <p:spPr>
             <a:xfrm>
-              <a:off x="5259252" y="5829629"/>
+              <a:off x="5258380" y="5831373"/>
               <a:ext cx="112414" cy="24556"/>
             </a:xfrm>
             <a:custGeom>
@@ -32043,7 +32043,7 @@
           </p:nvSpPr>
           <p:spPr>
             <a:xfrm>
-              <a:off x="5249975" y="5856914"/>
+              <a:off x="5249103" y="5858658"/>
               <a:ext cx="122783" cy="98226"/>
             </a:xfrm>
             <a:custGeom>
@@ -32218,7 +32218,7 @@
           </p:nvSpPr>
           <p:spPr>
             <a:xfrm>
-              <a:off x="5283263" y="5857460"/>
+              <a:off x="5282391" y="5859203"/>
               <a:ext cx="19645" cy="21282"/>
             </a:xfrm>
             <a:custGeom>
@@ -32315,7 +32315,7 @@
           </p:nvSpPr>
           <p:spPr>
             <a:xfrm>
-              <a:off x="5407137" y="5833995"/>
+              <a:off x="5406265" y="5835738"/>
               <a:ext cx="92769" cy="47476"/>
             </a:xfrm>
             <a:custGeom>
@@ -32358,7 +32358,7 @@
           </p:nvSpPr>
           <p:spPr>
             <a:xfrm>
-              <a:off x="5418051" y="5844363"/>
+              <a:off x="5417179" y="5846107"/>
               <a:ext cx="71487" cy="26739"/>
             </a:xfrm>
             <a:custGeom>
@@ -32401,7 +32401,7 @@
           </p:nvSpPr>
           <p:spPr>
             <a:xfrm>
-              <a:off x="5395677" y="5892385"/>
+              <a:off x="5394806" y="5894128"/>
               <a:ext cx="51841" cy="61664"/>
             </a:xfrm>
             <a:custGeom>
@@ -32456,7 +32456,7 @@
           </p:nvSpPr>
           <p:spPr>
             <a:xfrm>
-              <a:off x="5406046" y="5902208"/>
+              <a:off x="5405174" y="5903951"/>
               <a:ext cx="31105" cy="33833"/>
             </a:xfrm>
             <a:custGeom>
@@ -32499,7 +32499,7 @@
           </p:nvSpPr>
           <p:spPr>
             <a:xfrm>
-              <a:off x="5459525" y="5892385"/>
+              <a:off x="5458653" y="5894128"/>
               <a:ext cx="51296" cy="61664"/>
             </a:xfrm>
             <a:custGeom>
@@ -32554,7 +32554,7 @@
           </p:nvSpPr>
           <p:spPr>
             <a:xfrm>
-              <a:off x="5469893" y="5902208"/>
+              <a:off x="5469021" y="5903951"/>
               <a:ext cx="30559" cy="33833"/>
             </a:xfrm>
             <a:custGeom>
@@ -32597,7 +32597,7 @@
           </p:nvSpPr>
           <p:spPr>
             <a:xfrm>
-              <a:off x="5529375" y="5833995"/>
+              <a:off x="5528503" y="5835738"/>
               <a:ext cx="72578" cy="120054"/>
             </a:xfrm>
             <a:custGeom>
@@ -32748,7 +32748,7 @@
           </p:nvSpPr>
           <p:spPr>
             <a:xfrm>
-              <a:off x="5557751" y="5844363"/>
+              <a:off x="5556879" y="5846107"/>
               <a:ext cx="18553" cy="41473"/>
             </a:xfrm>
             <a:custGeom>
@@ -32791,7 +32791,7 @@
           </p:nvSpPr>
           <p:spPr>
             <a:xfrm>
-              <a:off x="5601407" y="5829629"/>
+              <a:off x="5600536" y="5831373"/>
               <a:ext cx="47476" cy="43656"/>
             </a:xfrm>
             <a:custGeom>
@@ -32888,7 +32888,7 @@
           </p:nvSpPr>
           <p:spPr>
             <a:xfrm>
-              <a:off x="5604136" y="5866191"/>
+              <a:off x="5603264" y="5867935"/>
               <a:ext cx="47476" cy="42019"/>
             </a:xfrm>
             <a:custGeom>
@@ -32985,7 +32985,7 @@
           </p:nvSpPr>
           <p:spPr>
             <a:xfrm>
-              <a:off x="5597588" y="5901116"/>
+              <a:off x="5596716" y="5902860"/>
               <a:ext cx="59481" cy="52387"/>
             </a:xfrm>
             <a:custGeom>
@@ -33082,7 +33082,7 @@
           </p:nvSpPr>
           <p:spPr>
             <a:xfrm>
-              <a:off x="5672895" y="5828538"/>
+              <a:off x="5672023" y="5830281"/>
               <a:ext cx="122237" cy="125511"/>
             </a:xfrm>
             <a:custGeom>
@@ -33407,7 +33407,7 @@
           </p:nvSpPr>
           <p:spPr>
             <a:xfrm>
-              <a:off x="5762390" y="5828538"/>
+              <a:off x="5761518" y="5830281"/>
               <a:ext cx="23465" cy="20736"/>
             </a:xfrm>
             <a:custGeom>
@@ -33504,7 +33504,7 @@
           </p:nvSpPr>
           <p:spPr>
             <a:xfrm>
-              <a:off x="5672895" y="5884745"/>
+              <a:off x="5672023" y="5886489"/>
               <a:ext cx="67121" cy="62210"/>
             </a:xfrm>
             <a:custGeom>
@@ -33652,7 +33652,7 @@
           </p:nvSpPr>
           <p:spPr>
             <a:xfrm>
-              <a:off x="1744221" y="3942410"/>
+              <a:off x="1744221" y="3943387"/>
               <a:ext cx="86766" cy="45293"/>
             </a:xfrm>
             <a:custGeom>
@@ -33906,7 +33906,7 @@
                     <a:pt x="40076" y="23705"/>
                   </a:lnTo>
                   <a:lnTo>
-                    <a:pt x="39896" y="22351"/>
+                    <a:pt x="39896" y="22352"/>
                   </a:lnTo>
                   <a:lnTo>
                     <a:pt x="39705" y="21042"/>
@@ -33968,7 +33968,7 @@
           </p:nvSpPr>
           <p:spPr>
             <a:xfrm>
-              <a:off x="1836445" y="3946230"/>
+              <a:off x="1836445" y="3947207"/>
               <a:ext cx="21828" cy="42564"/>
             </a:xfrm>
             <a:custGeom>
@@ -34018,7 +34018,7 @@
                     <a:pt x="9380" y="38133"/>
                   </a:lnTo>
                   <a:lnTo>
-                    <a:pt x="8382" y="33789"/>
+                    <a:pt x="8381" y="33789"/>
                   </a:lnTo>
                   <a:lnTo>
                     <a:pt x="7372" y="29533"/>
@@ -34065,7 +34065,7 @@
           </p:nvSpPr>
           <p:spPr>
             <a:xfrm>
-              <a:off x="1743130" y="3865466"/>
+              <a:off x="1743130" y="3866443"/>
               <a:ext cx="42564" cy="72032"/>
             </a:xfrm>
             <a:custGeom>
@@ -34186,7 +34186,7 @@
           </p:nvSpPr>
           <p:spPr>
             <a:xfrm>
-              <a:off x="1782421" y="3880200"/>
+              <a:off x="1782421" y="3881177"/>
               <a:ext cx="9822" cy="43110"/>
             </a:xfrm>
             <a:custGeom>
@@ -34229,7 +34229,7 @@
           </p:nvSpPr>
           <p:spPr>
             <a:xfrm>
-              <a:off x="1805886" y="3863283"/>
+              <a:off x="1805886" y="3864260"/>
               <a:ext cx="63847" cy="74761"/>
             </a:xfrm>
             <a:custGeom>
@@ -34434,7 +34434,7 @@
           </p:nvSpPr>
           <p:spPr>
             <a:xfrm>
-              <a:off x="1823348" y="3916762"/>
+              <a:off x="1823348" y="3917739"/>
               <a:ext cx="33287" cy="25102"/>
             </a:xfrm>
             <a:custGeom>
@@ -34531,7 +34531,7 @@
           </p:nvSpPr>
           <p:spPr>
             <a:xfrm>
-              <a:off x="1824440" y="3862192"/>
+              <a:off x="1824440" y="3863168"/>
               <a:ext cx="33833" cy="27830"/>
             </a:xfrm>
             <a:custGeom>
@@ -34563,7 +34563,7 @@
                     <a:pt x="16884" y="5615"/>
                   </a:lnTo>
                   <a:lnTo>
-                    <a:pt x="19558" y="3732"/>
+                    <a:pt x="19557" y="3732"/>
                   </a:lnTo>
                   <a:lnTo>
                     <a:pt x="22297" y="1860"/>
@@ -34628,7 +34628,7 @@
           </p:nvSpPr>
           <p:spPr>
             <a:xfrm>
-              <a:off x="1742584" y="3722492"/>
+              <a:off x="1742584" y="3723468"/>
               <a:ext cx="53478" cy="128240"/>
             </a:xfrm>
             <a:custGeom>
@@ -34818,7 +34818,7 @@
           </p:nvSpPr>
           <p:spPr>
             <a:xfrm>
-              <a:off x="1789515" y="3745411"/>
+              <a:off x="1789515" y="3746388"/>
               <a:ext cx="10914" cy="82401"/>
             </a:xfrm>
             <a:custGeom>
@@ -34861,7 +34861,7 @@
           </p:nvSpPr>
           <p:spPr>
             <a:xfrm>
-              <a:off x="1815163" y="3740500"/>
+              <a:off x="1815163" y="3741477"/>
               <a:ext cx="54570" cy="92769"/>
             </a:xfrm>
             <a:custGeom>
@@ -34916,7 +34916,7 @@
           </p:nvSpPr>
           <p:spPr>
             <a:xfrm>
-              <a:off x="1825531" y="3751414"/>
+              <a:off x="1825531" y="3752391"/>
               <a:ext cx="25102" cy="70941"/>
             </a:xfrm>
             <a:custGeom>
@@ -34959,7 +34959,7 @@
           </p:nvSpPr>
           <p:spPr>
             <a:xfrm>
-              <a:off x="1744221" y="3673378"/>
+              <a:off x="1744221" y="3674355"/>
               <a:ext cx="28922" cy="25102"/>
             </a:xfrm>
             <a:custGeom>
@@ -34979,7 +34979,7 @@
                     <a:pt x="6646" y="10008"/>
                   </a:lnTo>
                   <a:lnTo>
-                    <a:pt x="8905" y="8382"/>
+                    <a:pt x="8905" y="8381"/>
                   </a:lnTo>
                   <a:lnTo>
                     <a:pt x="11186" y="6821"/>
@@ -34991,7 +34991,7 @@
                     <a:pt x="15814" y="3896"/>
                   </a:lnTo>
                   <a:lnTo>
-                    <a:pt x="18160" y="2532"/>
+                    <a:pt x="18161" y="2532"/>
                   </a:lnTo>
                   <a:lnTo>
                     <a:pt x="20529" y="1233"/>
@@ -35056,7 +35056,7 @@
           </p:nvSpPr>
           <p:spPr>
             <a:xfrm>
-              <a:off x="1784603" y="3661373"/>
+              <a:off x="1784603" y="3662350"/>
               <a:ext cx="78035" cy="48021"/>
             </a:xfrm>
             <a:custGeom>
@@ -35141,7 +35141,7 @@
           </p:nvSpPr>
           <p:spPr>
             <a:xfrm>
-              <a:off x="1749133" y="3583883"/>
+              <a:off x="1749133" y="3584860"/>
               <a:ext cx="120600" cy="87858"/>
             </a:xfrm>
             <a:custGeom>
@@ -35220,7 +35220,7 @@
           </p:nvSpPr>
           <p:spPr>
             <a:xfrm>
-              <a:off x="1767141" y="3588794"/>
+              <a:off x="1767141" y="3589771"/>
               <a:ext cx="40382" cy="24556"/>
             </a:xfrm>
             <a:custGeom>
@@ -35270,13 +35270,13 @@
                     <a:pt x="31432" y="22744"/>
                   </a:lnTo>
                   <a:lnTo>
-                    <a:pt x="27939" y="21020"/>
+                    <a:pt x="27940" y="21020"/>
                   </a:lnTo>
                   <a:lnTo>
                     <a:pt x="24447" y="19383"/>
                   </a:lnTo>
                   <a:lnTo>
-                    <a:pt x="20954" y="17833"/>
+                    <a:pt x="20955" y="17833"/>
                   </a:lnTo>
                   <a:lnTo>
                     <a:pt x="17462" y="16371"/>
@@ -35288,7 +35288,7 @@
                     <a:pt x="10477" y="13708"/>
                   </a:lnTo>
                   <a:lnTo>
-                    <a:pt x="6984" y="12507"/>
+                    <a:pt x="6985" y="12507"/>
                   </a:lnTo>
                   <a:lnTo>
                     <a:pt x="3492" y="11394"/>
@@ -35317,7 +35317,7 @@
           </p:nvSpPr>
           <p:spPr>
             <a:xfrm>
-              <a:off x="1767141" y="3642819"/>
+              <a:off x="1767141" y="3643796"/>
               <a:ext cx="39836" cy="21282"/>
             </a:xfrm>
             <a:custGeom>
@@ -35414,7 +35414,7 @@
           </p:nvSpPr>
           <p:spPr>
             <a:xfrm>
-              <a:off x="1744767" y="3443637"/>
+              <a:off x="1744767" y="3444614"/>
               <a:ext cx="60027" cy="51296"/>
             </a:xfrm>
             <a:custGeom>
@@ -35511,7 +35511,7 @@
           </p:nvSpPr>
           <p:spPr>
             <a:xfrm>
-              <a:off x="1745313" y="3518399"/>
+              <a:off x="1745313" y="3519375"/>
               <a:ext cx="60573" cy="50750"/>
             </a:xfrm>
             <a:custGeom>
@@ -35567,7 +35567,7 @@
                     <a:pt x="38122" y="37064"/>
                   </a:lnTo>
                   <a:lnTo>
-                    <a:pt x="33527" y="32676"/>
+                    <a:pt x="33528" y="32676"/>
                   </a:lnTo>
                   <a:lnTo>
                     <a:pt x="28649" y="28376"/>
@@ -35608,7 +35608,7 @@
           </p:nvSpPr>
           <p:spPr>
             <a:xfrm>
-              <a:off x="1798246" y="3466557"/>
+              <a:off x="1798246" y="3467534"/>
               <a:ext cx="71487" cy="99317"/>
             </a:xfrm>
             <a:custGeom>
@@ -35685,7 +35685,7 @@
                     <a:pt x="70384" y="20976"/>
                   </a:lnTo>
                   <a:lnTo>
-                    <a:pt x="70352" y="22351"/>
+                    <a:pt x="70352" y="22352"/>
                   </a:lnTo>
                   <a:lnTo>
                     <a:pt x="70297" y="23770"/>
@@ -35957,7 +35957,7 @@
           </p:nvSpPr>
           <p:spPr>
             <a:xfrm>
-              <a:off x="2115245" y="1587001"/>
+              <a:off x="2113502" y="1587001"/>
               <a:ext cx="32264" cy="121828"/>
             </a:xfrm>
             <a:custGeom>
@@ -36414,7 +36414,7 @@
           </p:nvSpPr>
           <p:spPr>
             <a:xfrm>
-              <a:off x="2163813" y="1587001"/>
+              <a:off x="2162069" y="1587001"/>
               <a:ext cx="36357" cy="99727"/>
             </a:xfrm>
             <a:custGeom>
@@ -36706,7 +36706,7 @@
           </p:nvSpPr>
           <p:spPr>
             <a:xfrm>
-              <a:off x="2234209" y="1643550"/>
+              <a:off x="2232465" y="1643550"/>
               <a:ext cx="33833" cy="11459"/>
             </a:xfrm>
             <a:custGeom>
@@ -36749,7 +36749,7 @@
           </p:nvSpPr>
           <p:spPr>
             <a:xfrm>
-              <a:off x="2285709" y="1587001"/>
+              <a:off x="2283966" y="1587001"/>
               <a:ext cx="36357" cy="99727"/>
             </a:xfrm>
             <a:custGeom>
@@ -37041,7 +37041,7 @@
           </p:nvSpPr>
           <p:spPr>
             <a:xfrm>
-              <a:off x="2357196" y="1585433"/>
+              <a:off x="2355453" y="1585433"/>
               <a:ext cx="63710" cy="102660"/>
             </a:xfrm>
             <a:custGeom>
@@ -37552,7 +37552,7 @@
           </p:nvSpPr>
           <p:spPr>
             <a:xfrm>
-              <a:off x="2369816" y="1596074"/>
+              <a:off x="2368072" y="1596074"/>
               <a:ext cx="38540" cy="81446"/>
             </a:xfrm>
             <a:custGeom>
@@ -38063,7 +38063,7 @@
           </p:nvSpPr>
           <p:spPr>
             <a:xfrm>
-              <a:off x="2431753" y="1670494"/>
+              <a:off x="2430010" y="1670494"/>
               <a:ext cx="21418" cy="34242"/>
             </a:xfrm>
             <a:custGeom>
@@ -38343,7 +38343,7 @@
           </p:nvSpPr>
           <p:spPr>
             <a:xfrm>
-              <a:off x="2474523" y="1587001"/>
+              <a:off x="2472779" y="1587001"/>
               <a:ext cx="36357" cy="99727"/>
             </a:xfrm>
             <a:custGeom>
@@ -38635,7 +38635,7 @@
           </p:nvSpPr>
           <p:spPr>
             <a:xfrm>
-              <a:off x="2546010" y="1585433"/>
+              <a:off x="2544266" y="1585433"/>
               <a:ext cx="63710" cy="102660"/>
             </a:xfrm>
             <a:custGeom>
@@ -39146,7 +39146,7 @@
           </p:nvSpPr>
           <p:spPr>
             <a:xfrm>
-              <a:off x="2558629" y="1596074"/>
+              <a:off x="2556886" y="1596074"/>
               <a:ext cx="38540" cy="81446"/>
             </a:xfrm>
             <a:custGeom>
@@ -39657,7 +39657,7 @@
           </p:nvSpPr>
           <p:spPr>
             <a:xfrm>
-              <a:off x="2698124" y="1574314"/>
+              <a:off x="2696381" y="1574314"/>
               <a:ext cx="51296" cy="60027"/>
             </a:xfrm>
             <a:custGeom>
@@ -39754,7 +39754,7 @@
           </p:nvSpPr>
           <p:spPr>
             <a:xfrm>
-              <a:off x="2623909" y="1574860"/>
+              <a:off x="2622165" y="1574860"/>
               <a:ext cx="50750" cy="60573"/>
             </a:xfrm>
             <a:custGeom>
@@ -39851,7 +39851,7 @@
           </p:nvSpPr>
           <p:spPr>
             <a:xfrm>
-              <a:off x="2627183" y="1627793"/>
+              <a:off x="2625440" y="1627793"/>
               <a:ext cx="99317" cy="71487"/>
             </a:xfrm>
             <a:custGeom>
@@ -40200,7 +40200,7 @@
           </p:nvSpPr>
           <p:spPr>
             <a:xfrm>
-              <a:off x="2761426" y="1573768"/>
+              <a:off x="2759682" y="1573768"/>
               <a:ext cx="129331" cy="124420"/>
             </a:xfrm>
             <a:custGeom>
@@ -40265,7 +40265,7 @@
                     <a:pt x="33844" y="73724"/>
                   </a:lnTo>
                   <a:lnTo>
-                    <a:pt x="37719" y="70723"/>
+                    <a:pt x="37718" y="70723"/>
                   </a:lnTo>
                   <a:lnTo>
                     <a:pt x="41353" y="67612"/>
@@ -40630,7 +40630,7 @@
           </p:nvSpPr>
           <p:spPr>
             <a:xfrm>
-              <a:off x="2915860" y="1581408"/>
+              <a:off x="2914116" y="1581408"/>
               <a:ext cx="99317" cy="10368"/>
             </a:xfrm>
             <a:custGeom>
@@ -40673,7 +40673,7 @@
           </p:nvSpPr>
           <p:spPr>
             <a:xfrm>
-              <a:off x="2906037" y="1616333"/>
+              <a:off x="2904294" y="1616333"/>
               <a:ext cx="118963" cy="82946"/>
             </a:xfrm>
             <a:custGeom>
@@ -40878,7 +40878,7 @@
           </p:nvSpPr>
           <p:spPr>
             <a:xfrm>
-              <a:off x="2985710" y="1640344"/>
+              <a:off x="2983966" y="1640344"/>
               <a:ext cx="42564" cy="50204"/>
             </a:xfrm>
             <a:custGeom>
@@ -40975,7 +40975,7 @@
           </p:nvSpPr>
           <p:spPr>
             <a:xfrm>
-              <a:off x="2902763" y="1640890"/>
+              <a:off x="2901020" y="1640890"/>
               <a:ext cx="40927" cy="51841"/>
             </a:xfrm>
             <a:custGeom>
@@ -41072,7 +41072,7 @@
           </p:nvSpPr>
           <p:spPr>
             <a:xfrm>
-              <a:off x="3042463" y="1573768"/>
+              <a:off x="3040720" y="1573768"/>
               <a:ext cx="52933" cy="124966"/>
             </a:xfrm>
             <a:custGeom>
@@ -41151,7 +41151,7 @@
           </p:nvSpPr>
           <p:spPr>
             <a:xfrm>
-              <a:off x="3113405" y="1573768"/>
+              <a:off x="3111661" y="1573768"/>
               <a:ext cx="54024" cy="125511"/>
             </a:xfrm>
             <a:custGeom>
@@ -41230,7 +41230,7 @@
           </p:nvSpPr>
           <p:spPr>
             <a:xfrm>
-              <a:off x="3185437" y="1573768"/>
+              <a:off x="3183694" y="1573768"/>
               <a:ext cx="118417" cy="42564"/>
             </a:xfrm>
             <a:custGeom>
@@ -41429,7 +41429,7 @@
           </p:nvSpPr>
           <p:spPr>
             <a:xfrm>
-              <a:off x="3195260" y="1612513"/>
+              <a:off x="3193516" y="1612513"/>
               <a:ext cx="99317" cy="87312"/>
             </a:xfrm>
             <a:custGeom>
@@ -41670,7 +41670,7 @@
           </p:nvSpPr>
           <p:spPr>
             <a:xfrm>
-              <a:off x="3217634" y="1621244"/>
+              <a:off x="3215890" y="1621244"/>
               <a:ext cx="53478" cy="13642"/>
             </a:xfrm>
             <a:custGeom>
@@ -41713,7 +41713,7 @@
           </p:nvSpPr>
           <p:spPr>
             <a:xfrm>
-              <a:off x="3326774" y="1574860"/>
+              <a:off x="3325031" y="1574860"/>
               <a:ext cx="26739" cy="21828"/>
             </a:xfrm>
             <a:custGeom>
@@ -41810,7 +41810,7 @@
           </p:nvSpPr>
           <p:spPr>
             <a:xfrm>
-              <a:off x="3321317" y="1608693"/>
+              <a:off x="3319574" y="1608693"/>
               <a:ext cx="27830" cy="22919"/>
             </a:xfrm>
             <a:custGeom>
@@ -41907,7 +41907,7 @@
           </p:nvSpPr>
           <p:spPr>
             <a:xfrm>
-              <a:off x="3322409" y="1641981"/>
+              <a:off x="3320665" y="1641981"/>
               <a:ext cx="34925" cy="56753"/>
             </a:xfrm>
             <a:custGeom>
@@ -42004,7 +42004,7 @@
           </p:nvSpPr>
           <p:spPr>
             <a:xfrm>
-              <a:off x="3354605" y="1573768"/>
+              <a:off x="3352862" y="1573768"/>
               <a:ext cx="92769" cy="30559"/>
             </a:xfrm>
             <a:custGeom>
@@ -42095,7 +42095,7 @@
           </p:nvSpPr>
           <p:spPr>
             <a:xfrm>
-              <a:off x="3357334" y="1608147"/>
+              <a:off x="3355590" y="1608147"/>
               <a:ext cx="88403" cy="91132"/>
             </a:xfrm>
             <a:custGeom>
@@ -42316,7 +42316,7 @@
                     <a:pt x="58139" y="54073"/>
                   </a:lnTo>
                   <a:lnTo>
-                    <a:pt x="57277" y="56731"/>
+                    <a:pt x="57276" y="56731"/>
                   </a:lnTo>
                   <a:lnTo>
                     <a:pt x="56349" y="59268"/>
@@ -42433,7 +42433,7 @@
                     <a:pt x="42297" y="48338"/>
                   </a:lnTo>
                   <a:lnTo>
-                    <a:pt x="43307" y="49484"/>
+                    <a:pt x="43306" y="49484"/>
                   </a:lnTo>
                   <a:lnTo>
                     <a:pt x="44305" y="50652"/>
@@ -42585,7 +42585,7 @@
           </p:nvSpPr>
           <p:spPr>
             <a:xfrm>
-              <a:off x="3392805" y="1617970"/>
+              <a:off x="3391061" y="1617970"/>
               <a:ext cx="16916" cy="9822"/>
             </a:xfrm>
             <a:custGeom>
@@ -42628,7 +42628,7 @@
           </p:nvSpPr>
           <p:spPr>
             <a:xfrm>
-              <a:off x="3418453" y="1637070"/>
+              <a:off x="3416709" y="1637070"/>
               <a:ext cx="14733" cy="27285"/>
             </a:xfrm>
             <a:custGeom>
@@ -42698,7 +42698,7 @@
           </p:nvSpPr>
           <p:spPr>
             <a:xfrm>
-              <a:off x="3463200" y="1572131"/>
+              <a:off x="3461457" y="1572131"/>
               <a:ext cx="122783" cy="42019"/>
             </a:xfrm>
             <a:custGeom>
@@ -42769,7 +42769,7 @@
                     <a:pt x="91650" y="28125"/>
                   </a:lnTo>
                   <a:lnTo>
-                    <a:pt x="90805" y="29598"/>
+                    <a:pt x="90804" y="29598"/>
                   </a:lnTo>
                   <a:lnTo>
                     <a:pt x="89904" y="31137"/>
@@ -42885,7 +42885,7 @@
           </p:nvSpPr>
           <p:spPr>
             <a:xfrm>
-              <a:off x="3501399" y="1591776"/>
+              <a:off x="3499656" y="1591776"/>
               <a:ext cx="44747" cy="13096"/>
             </a:xfrm>
             <a:custGeom>
@@ -42982,7 +42982,7 @@
           </p:nvSpPr>
           <p:spPr>
             <a:xfrm>
-              <a:off x="3477389" y="1621244"/>
+              <a:off x="3475645" y="1621244"/>
               <a:ext cx="92223" cy="40927"/>
             </a:xfrm>
             <a:custGeom>
@@ -43025,7 +43025,7 @@
           </p:nvSpPr>
           <p:spPr>
             <a:xfrm>
-              <a:off x="3488303" y="1630521"/>
+              <a:off x="3486559" y="1630521"/>
               <a:ext cx="70395" cy="7639"/>
             </a:xfrm>
             <a:custGeom>
@@ -43068,7 +43068,7 @@
           </p:nvSpPr>
           <p:spPr>
             <a:xfrm>
-              <a:off x="3488303" y="1645255"/>
+              <a:off x="3486559" y="1645255"/>
               <a:ext cx="70395" cy="8185"/>
             </a:xfrm>
             <a:custGeom>
@@ -43111,7 +43111,7 @@
           </p:nvSpPr>
           <p:spPr>
             <a:xfrm>
-              <a:off x="3563064" y="1665446"/>
+              <a:off x="3561320" y="1665446"/>
               <a:ext cx="24556" cy="30559"/>
             </a:xfrm>
             <a:custGeom>
@@ -43208,7 +43208,7 @@
           </p:nvSpPr>
           <p:spPr>
             <a:xfrm>
-              <a:off x="3516133" y="1665446"/>
+              <a:off x="3514390" y="1665446"/>
               <a:ext cx="16371" cy="16916"/>
             </a:xfrm>
             <a:custGeom>
@@ -43305,7 +43305,7 @@
           </p:nvSpPr>
           <p:spPr>
             <a:xfrm>
-              <a:off x="3461563" y="1666538"/>
+              <a:off x="3459820" y="1666538"/>
               <a:ext cx="25102" cy="30013"/>
             </a:xfrm>
             <a:custGeom>
@@ -43402,7 +43402,7 @@
           </p:nvSpPr>
           <p:spPr>
             <a:xfrm>
-              <a:off x="3492122" y="1668175"/>
+              <a:off x="3490379" y="1668175"/>
               <a:ext cx="70395" cy="29467"/>
             </a:xfrm>
             <a:custGeom>
@@ -43530,7 +43530,7 @@
                     <a:pt x="55116" y="17789"/>
                   </a:lnTo>
                   <a:lnTo>
-                    <a:pt x="55880" y="17680"/>
+                    <a:pt x="55879" y="17680"/>
                   </a:lnTo>
                   <a:lnTo>
                     <a:pt x="56425" y="17571"/>
@@ -43715,7 +43715,7 @@
           </p:nvSpPr>
           <p:spPr>
             <a:xfrm>
-              <a:off x="3598330" y="1587001"/>
+              <a:off x="3596586" y="1587001"/>
               <a:ext cx="32332" cy="121828"/>
             </a:xfrm>
             <a:custGeom>
